--- a/images/figures.pptx
+++ b/images/figures.pptx
@@ -7,6 +7,9 @@
   <p:sldIdLst>
     <p:sldId id="256" r:id="rId2"/>
     <p:sldId id="257" r:id="rId3"/>
+    <p:sldId id="258" r:id="rId4"/>
+    <p:sldId id="259" r:id="rId5"/>
+    <p:sldId id="260" r:id="rId6"/>
   </p:sldIdLst>
   <p:sldSz cx="12192000" cy="6858000"/>
   <p:notesSz cx="6858000" cy="9144000"/>
@@ -4208,10 +4211,708 @@
           <a:chExt cx="0" cy="0"/>
         </a:xfrm>
       </p:grpSpPr>
+      <p:pic>
+        <p:nvPicPr>
+          <p:cNvPr id="7" name="図 6">
+            <a:extLst>
+              <a:ext uri="{FF2B5EF4-FFF2-40B4-BE49-F238E27FC236}">
+                <a16:creationId xmlns:a16="http://schemas.microsoft.com/office/drawing/2014/main" id="{BEB8F9A4-416A-E047-87D6-CF129E3AB144}"/>
+              </a:ext>
+            </a:extLst>
+          </p:cNvPr>
+          <p:cNvPicPr>
+            <a:picLocks noChangeAspect="1"/>
+          </p:cNvPicPr>
+          <p:nvPr/>
+        </p:nvPicPr>
+        <p:blipFill>
+          <a:blip r:embed="rId2"/>
+          <a:stretch>
+            <a:fillRect/>
+          </a:stretch>
+        </p:blipFill>
+        <p:spPr>
+          <a:xfrm>
+            <a:off x="2673350" y="298450"/>
+            <a:ext cx="6845300" cy="6261100"/>
+          </a:xfrm>
+          <a:prstGeom prst="rect">
+            <a:avLst/>
+          </a:prstGeom>
+        </p:spPr>
+      </p:pic>
+      <p:sp>
+        <p:nvSpPr>
+          <p:cNvPr id="4" name="円/楕円 3">
+            <a:extLst>
+              <a:ext uri="{FF2B5EF4-FFF2-40B4-BE49-F238E27FC236}">
+                <a16:creationId xmlns:a16="http://schemas.microsoft.com/office/drawing/2014/main" id="{6CA80A70-5C98-D844-8D0F-8FEFB65F83D3}"/>
+              </a:ext>
+            </a:extLst>
+          </p:cNvPr>
+          <p:cNvSpPr/>
+          <p:nvPr/>
+        </p:nvSpPr>
+        <p:spPr>
+          <a:xfrm>
+            <a:off x="2854411" y="5572894"/>
+            <a:ext cx="1581665" cy="395416"/>
+          </a:xfrm>
+          <a:prstGeom prst="ellipse">
+            <a:avLst/>
+          </a:prstGeom>
+          <a:noFill/>
+          <a:ln w="38100">
+            <a:solidFill>
+              <a:srgbClr val="FF0000"/>
+            </a:solidFill>
+          </a:ln>
+        </p:spPr>
+        <p:style>
+          <a:lnRef idx="2">
+            <a:schemeClr val="accent1">
+              <a:shade val="50000"/>
+            </a:schemeClr>
+          </a:lnRef>
+          <a:fillRef idx="1">
+            <a:schemeClr val="accent1"/>
+          </a:fillRef>
+          <a:effectRef idx="0">
+            <a:schemeClr val="accent1"/>
+          </a:effectRef>
+          <a:fontRef idx="minor">
+            <a:schemeClr val="lt1"/>
+          </a:fontRef>
+        </p:style>
+        <p:txBody>
+          <a:bodyPr rtlCol="0" anchor="ctr"/>
+          <a:lstStyle/>
+          <a:p>
+            <a:pPr algn="ctr"/>
+            <a:endParaRPr kumimoji="1" lang="ja-JP" altLang="en-US"/>
+          </a:p>
+        </p:txBody>
+      </p:sp>
+      <p:sp>
+        <p:nvSpPr>
+          <p:cNvPr id="5" name="円/楕円 4">
+            <a:extLst>
+              <a:ext uri="{FF2B5EF4-FFF2-40B4-BE49-F238E27FC236}">
+                <a16:creationId xmlns:a16="http://schemas.microsoft.com/office/drawing/2014/main" id="{FFF49B12-C221-8644-9F4A-71CE2F63959F}"/>
+              </a:ext>
+            </a:extLst>
+          </p:cNvPr>
+          <p:cNvSpPr/>
+          <p:nvPr/>
+        </p:nvSpPr>
+        <p:spPr>
+          <a:xfrm>
+            <a:off x="4942703" y="1752599"/>
+            <a:ext cx="1692875" cy="483974"/>
+          </a:xfrm>
+          <a:prstGeom prst="ellipse">
+            <a:avLst/>
+          </a:prstGeom>
+          <a:noFill/>
+          <a:ln w="38100">
+            <a:solidFill>
+              <a:srgbClr val="FF0000"/>
+            </a:solidFill>
+          </a:ln>
+        </p:spPr>
+        <p:style>
+          <a:lnRef idx="2">
+            <a:schemeClr val="accent1">
+              <a:shade val="50000"/>
+            </a:schemeClr>
+          </a:lnRef>
+          <a:fillRef idx="1">
+            <a:schemeClr val="accent1"/>
+          </a:fillRef>
+          <a:effectRef idx="0">
+            <a:schemeClr val="accent1"/>
+          </a:effectRef>
+          <a:fontRef idx="minor">
+            <a:schemeClr val="lt1"/>
+          </a:fontRef>
+        </p:style>
+        <p:txBody>
+          <a:bodyPr rtlCol="0" anchor="ctr"/>
+          <a:lstStyle/>
+          <a:p>
+            <a:pPr algn="ctr"/>
+            <a:endParaRPr kumimoji="1" lang="ja-JP" altLang="en-US"/>
+          </a:p>
+        </p:txBody>
+      </p:sp>
     </p:spTree>
     <p:extLst>
       <p:ext uri="{BB962C8B-B14F-4D97-AF65-F5344CB8AC3E}">
         <p14:creationId xmlns:p14="http://schemas.microsoft.com/office/powerpoint/2010/main" val="448213367"/>
+      </p:ext>
+    </p:extLst>
+  </p:cSld>
+  <p:clrMapOvr>
+    <a:masterClrMapping/>
+  </p:clrMapOvr>
+</p:sld>
+</file>
+
+<file path=ppt/slides/slide3.xml><?xml version="1.0" encoding="utf-8"?>
+<p:sld xmlns:a="http://schemas.openxmlformats.org/drawingml/2006/main" xmlns:r="http://schemas.openxmlformats.org/officeDocument/2006/relationships" xmlns:p="http://schemas.openxmlformats.org/presentationml/2006/main">
+  <p:cSld>
+    <p:spTree>
+      <p:nvGrpSpPr>
+        <p:cNvPr id="1" name=""/>
+        <p:cNvGrpSpPr/>
+        <p:nvPr/>
+      </p:nvGrpSpPr>
+      <p:grpSpPr>
+        <a:xfrm>
+          <a:off x="0" y="0"/>
+          <a:ext cx="0" cy="0"/>
+          <a:chOff x="0" y="0"/>
+          <a:chExt cx="0" cy="0"/>
+        </a:xfrm>
+      </p:grpSpPr>
+      <p:pic>
+        <p:nvPicPr>
+          <p:cNvPr id="4" name="図 3">
+            <a:extLst>
+              <a:ext uri="{FF2B5EF4-FFF2-40B4-BE49-F238E27FC236}">
+                <a16:creationId xmlns:a16="http://schemas.microsoft.com/office/drawing/2014/main" id="{C132B6DE-419E-FD4C-B376-202C9F26CC65}"/>
+              </a:ext>
+            </a:extLst>
+          </p:cNvPr>
+          <p:cNvPicPr>
+            <a:picLocks noChangeAspect="1"/>
+          </p:cNvPicPr>
+          <p:nvPr/>
+        </p:nvPicPr>
+        <p:blipFill>
+          <a:blip r:embed="rId2"/>
+          <a:stretch>
+            <a:fillRect/>
+          </a:stretch>
+        </p:blipFill>
+        <p:spPr>
+          <a:xfrm>
+            <a:off x="486032" y="1092200"/>
+            <a:ext cx="5486400" cy="4673600"/>
+          </a:xfrm>
+          <a:prstGeom prst="rect">
+            <a:avLst/>
+          </a:prstGeom>
+          <a:ln>
+            <a:noFill/>
+          </a:ln>
+          <a:effectLst>
+            <a:outerShdw blurRad="292100" dist="139700" dir="2700000" algn="tl" rotWithShape="0">
+              <a:srgbClr val="333333">
+                <a:alpha val="65000"/>
+              </a:srgbClr>
+            </a:outerShdw>
+          </a:effectLst>
+        </p:spPr>
+      </p:pic>
+      <p:pic>
+        <p:nvPicPr>
+          <p:cNvPr id="7" name="図 6">
+            <a:extLst>
+              <a:ext uri="{FF2B5EF4-FFF2-40B4-BE49-F238E27FC236}">
+                <a16:creationId xmlns:a16="http://schemas.microsoft.com/office/drawing/2014/main" id="{86C6C90C-5BC2-644B-BF31-741F05D7542A}"/>
+              </a:ext>
+            </a:extLst>
+          </p:cNvPr>
+          <p:cNvPicPr>
+            <a:picLocks noChangeAspect="1"/>
+          </p:cNvPicPr>
+          <p:nvPr/>
+        </p:nvPicPr>
+        <p:blipFill>
+          <a:blip r:embed="rId3"/>
+          <a:stretch>
+            <a:fillRect/>
+          </a:stretch>
+        </p:blipFill>
+        <p:spPr>
+          <a:xfrm>
+            <a:off x="6627684" y="850900"/>
+            <a:ext cx="4546600" cy="5156200"/>
+          </a:xfrm>
+          <a:prstGeom prst="rect">
+            <a:avLst/>
+          </a:prstGeom>
+          <a:ln>
+            <a:noFill/>
+          </a:ln>
+          <a:effectLst>
+            <a:outerShdw blurRad="292100" dist="139700" dir="2700000" algn="tl" rotWithShape="0">
+              <a:srgbClr val="333333">
+                <a:alpha val="65000"/>
+              </a:srgbClr>
+            </a:outerShdw>
+          </a:effectLst>
+        </p:spPr>
+      </p:pic>
+      <p:sp>
+        <p:nvSpPr>
+          <p:cNvPr id="8" name="円/楕円 7">
+            <a:extLst>
+              <a:ext uri="{FF2B5EF4-FFF2-40B4-BE49-F238E27FC236}">
+                <a16:creationId xmlns:a16="http://schemas.microsoft.com/office/drawing/2014/main" id="{0CCB5F4D-3AE6-7D43-BEAF-A321F4D3527B}"/>
+              </a:ext>
+            </a:extLst>
+          </p:cNvPr>
+          <p:cNvSpPr/>
+          <p:nvPr/>
+        </p:nvSpPr>
+        <p:spPr>
+          <a:xfrm>
+            <a:off x="486032" y="4188937"/>
+            <a:ext cx="1581665" cy="395416"/>
+          </a:xfrm>
+          <a:prstGeom prst="ellipse">
+            <a:avLst/>
+          </a:prstGeom>
+          <a:noFill/>
+          <a:ln w="38100">
+            <a:solidFill>
+              <a:srgbClr val="FF0000"/>
+            </a:solidFill>
+          </a:ln>
+        </p:spPr>
+        <p:style>
+          <a:lnRef idx="2">
+            <a:schemeClr val="accent1">
+              <a:shade val="50000"/>
+            </a:schemeClr>
+          </a:lnRef>
+          <a:fillRef idx="1">
+            <a:schemeClr val="accent1"/>
+          </a:fillRef>
+          <a:effectRef idx="0">
+            <a:schemeClr val="accent1"/>
+          </a:effectRef>
+          <a:fontRef idx="minor">
+            <a:schemeClr val="lt1"/>
+          </a:fontRef>
+        </p:style>
+        <p:txBody>
+          <a:bodyPr rtlCol="0" anchor="ctr"/>
+          <a:lstStyle/>
+          <a:p>
+            <a:pPr algn="ctr"/>
+            <a:endParaRPr kumimoji="1" lang="ja-JP" altLang="en-US"/>
+          </a:p>
+        </p:txBody>
+      </p:sp>
+      <p:sp>
+        <p:nvSpPr>
+          <p:cNvPr id="9" name="円/楕円 8">
+            <a:extLst>
+              <a:ext uri="{FF2B5EF4-FFF2-40B4-BE49-F238E27FC236}">
+                <a16:creationId xmlns:a16="http://schemas.microsoft.com/office/drawing/2014/main" id="{5483395D-8EDC-F143-83EC-B597EE62D675}"/>
+              </a:ext>
+            </a:extLst>
+          </p:cNvPr>
+          <p:cNvSpPr/>
+          <p:nvPr/>
+        </p:nvSpPr>
+        <p:spPr>
+          <a:xfrm>
+            <a:off x="2495171" y="1598137"/>
+            <a:ext cx="982089" cy="395416"/>
+          </a:xfrm>
+          <a:prstGeom prst="ellipse">
+            <a:avLst/>
+          </a:prstGeom>
+          <a:noFill/>
+          <a:ln w="38100">
+            <a:solidFill>
+              <a:srgbClr val="FF0000"/>
+            </a:solidFill>
+          </a:ln>
+        </p:spPr>
+        <p:style>
+          <a:lnRef idx="2">
+            <a:schemeClr val="accent1">
+              <a:shade val="50000"/>
+            </a:schemeClr>
+          </a:lnRef>
+          <a:fillRef idx="1">
+            <a:schemeClr val="accent1"/>
+          </a:fillRef>
+          <a:effectRef idx="0">
+            <a:schemeClr val="accent1"/>
+          </a:effectRef>
+          <a:fontRef idx="minor">
+            <a:schemeClr val="lt1"/>
+          </a:fontRef>
+        </p:style>
+        <p:txBody>
+          <a:bodyPr rtlCol="0" anchor="ctr"/>
+          <a:lstStyle/>
+          <a:p>
+            <a:pPr algn="ctr"/>
+            <a:endParaRPr kumimoji="1" lang="ja-JP" altLang="en-US"/>
+          </a:p>
+        </p:txBody>
+      </p:sp>
+      <p:sp>
+        <p:nvSpPr>
+          <p:cNvPr id="10" name="円/楕円 9">
+            <a:extLst>
+              <a:ext uri="{FF2B5EF4-FFF2-40B4-BE49-F238E27FC236}">
+                <a16:creationId xmlns:a16="http://schemas.microsoft.com/office/drawing/2014/main" id="{A3156A36-F24C-E94F-8D0C-F4E3796A22C9}"/>
+              </a:ext>
+            </a:extLst>
+          </p:cNvPr>
+          <p:cNvSpPr/>
+          <p:nvPr/>
+        </p:nvSpPr>
+        <p:spPr>
+          <a:xfrm>
+            <a:off x="6627684" y="2971541"/>
+            <a:ext cx="3756113" cy="297082"/>
+          </a:xfrm>
+          <a:prstGeom prst="ellipse">
+            <a:avLst/>
+          </a:prstGeom>
+          <a:noFill/>
+          <a:ln w="38100">
+            <a:solidFill>
+              <a:srgbClr val="FF0000"/>
+            </a:solidFill>
+          </a:ln>
+        </p:spPr>
+        <p:style>
+          <a:lnRef idx="2">
+            <a:schemeClr val="accent1">
+              <a:shade val="50000"/>
+            </a:schemeClr>
+          </a:lnRef>
+          <a:fillRef idx="1">
+            <a:schemeClr val="accent1"/>
+          </a:fillRef>
+          <a:effectRef idx="0">
+            <a:schemeClr val="accent1"/>
+          </a:effectRef>
+          <a:fontRef idx="minor">
+            <a:schemeClr val="lt1"/>
+          </a:fontRef>
+        </p:style>
+        <p:txBody>
+          <a:bodyPr rtlCol="0" anchor="ctr"/>
+          <a:lstStyle/>
+          <a:p>
+            <a:pPr algn="ctr"/>
+            <a:endParaRPr kumimoji="1" lang="ja-JP" altLang="en-US"/>
+          </a:p>
+        </p:txBody>
+      </p:sp>
+      <p:sp>
+        <p:nvSpPr>
+          <p:cNvPr id="12" name="円/楕円 11">
+            <a:extLst>
+              <a:ext uri="{FF2B5EF4-FFF2-40B4-BE49-F238E27FC236}">
+                <a16:creationId xmlns:a16="http://schemas.microsoft.com/office/drawing/2014/main" id="{5D4ABEFF-C155-654F-8B6E-B10F886D5ECA}"/>
+              </a:ext>
+            </a:extLst>
+          </p:cNvPr>
+          <p:cNvSpPr/>
+          <p:nvPr/>
+        </p:nvSpPr>
+        <p:spPr>
+          <a:xfrm>
+            <a:off x="8130102" y="4668796"/>
+            <a:ext cx="2332250" cy="395416"/>
+          </a:xfrm>
+          <a:prstGeom prst="ellipse">
+            <a:avLst/>
+          </a:prstGeom>
+          <a:noFill/>
+          <a:ln w="38100">
+            <a:solidFill>
+              <a:srgbClr val="FF0000"/>
+            </a:solidFill>
+          </a:ln>
+        </p:spPr>
+        <p:style>
+          <a:lnRef idx="2">
+            <a:schemeClr val="accent1">
+              <a:shade val="50000"/>
+            </a:schemeClr>
+          </a:lnRef>
+          <a:fillRef idx="1">
+            <a:schemeClr val="accent1"/>
+          </a:fillRef>
+          <a:effectRef idx="0">
+            <a:schemeClr val="accent1"/>
+          </a:effectRef>
+          <a:fontRef idx="minor">
+            <a:schemeClr val="lt1"/>
+          </a:fontRef>
+        </p:style>
+        <p:txBody>
+          <a:bodyPr rtlCol="0" anchor="ctr"/>
+          <a:lstStyle/>
+          <a:p>
+            <a:pPr algn="ctr"/>
+            <a:endParaRPr kumimoji="1" lang="ja-JP" altLang="en-US"/>
+          </a:p>
+        </p:txBody>
+      </p:sp>
+      <p:sp>
+        <p:nvSpPr>
+          <p:cNvPr id="13" name="角丸四角形吹き出し 12">
+            <a:extLst>
+              <a:ext uri="{FF2B5EF4-FFF2-40B4-BE49-F238E27FC236}">
+                <a16:creationId xmlns:a16="http://schemas.microsoft.com/office/drawing/2014/main" id="{D9701B10-1B2A-6643-B072-3D6560A4F044}"/>
+              </a:ext>
+            </a:extLst>
+          </p:cNvPr>
+          <p:cNvSpPr/>
+          <p:nvPr/>
+        </p:nvSpPr>
+        <p:spPr>
+          <a:xfrm>
+            <a:off x="7895967" y="5387546"/>
+            <a:ext cx="3064475" cy="619554"/>
+          </a:xfrm>
+          <a:prstGeom prst="wedgeRoundRectCallout">
+            <a:avLst>
+              <a:gd name="adj1" fmla="val -13907"/>
+              <a:gd name="adj2" fmla="val -109024"/>
+              <a:gd name="adj3" fmla="val 16667"/>
+            </a:avLst>
+          </a:prstGeom>
+        </p:spPr>
+        <p:style>
+          <a:lnRef idx="1">
+            <a:schemeClr val="accent2"/>
+          </a:lnRef>
+          <a:fillRef idx="2">
+            <a:schemeClr val="accent2"/>
+          </a:fillRef>
+          <a:effectRef idx="1">
+            <a:schemeClr val="accent2"/>
+          </a:effectRef>
+          <a:fontRef idx="minor">
+            <a:schemeClr val="dk1"/>
+          </a:fontRef>
+        </p:style>
+        <p:txBody>
+          <a:bodyPr rtlCol="0" anchor="ctr"/>
+          <a:lstStyle/>
+          <a:p>
+            <a:pPr algn="ctr"/>
+            <a:r>
+              <a:rPr kumimoji="1" lang="en-US" altLang="ja-JP" sz="1200" dirty="0"/>
+              <a:t>Blob</a:t>
+            </a:r>
+            <a:r>
+              <a:rPr kumimoji="1" lang="ja-JP" altLang="en-US" sz="1200"/>
+              <a:t> の静的 </a:t>
+            </a:r>
+            <a:r>
+              <a:rPr kumimoji="1" lang="en-US" altLang="ja-JP" sz="1200" dirty="0"/>
+              <a:t>Web</a:t>
+            </a:r>
+            <a:r>
+              <a:rPr lang="ja-JP" altLang="en-US" sz="1200"/>
+              <a:t> サイトホスティングで作成されたプライマリエンドポイント</a:t>
+            </a:r>
+            <a:endParaRPr kumimoji="1" lang="ja-JP" altLang="en-US" sz="1200"/>
+          </a:p>
+        </p:txBody>
+      </p:sp>
+    </p:spTree>
+    <p:extLst>
+      <p:ext uri="{BB962C8B-B14F-4D97-AF65-F5344CB8AC3E}">
+        <p14:creationId xmlns:p14="http://schemas.microsoft.com/office/powerpoint/2010/main" val="46136609"/>
+      </p:ext>
+    </p:extLst>
+  </p:cSld>
+  <p:clrMapOvr>
+    <a:masterClrMapping/>
+  </p:clrMapOvr>
+</p:sld>
+</file>
+
+<file path=ppt/slides/slide4.xml><?xml version="1.0" encoding="utf-8"?>
+<p:sld xmlns:a="http://schemas.openxmlformats.org/drawingml/2006/main" xmlns:r="http://schemas.openxmlformats.org/officeDocument/2006/relationships" xmlns:p="http://schemas.openxmlformats.org/presentationml/2006/main">
+  <p:cSld>
+    <p:spTree>
+      <p:nvGrpSpPr>
+        <p:cNvPr id="1" name=""/>
+        <p:cNvGrpSpPr/>
+        <p:nvPr/>
+      </p:nvGrpSpPr>
+      <p:grpSpPr>
+        <a:xfrm>
+          <a:off x="0" y="0"/>
+          <a:ext cx="0" cy="0"/>
+          <a:chOff x="0" y="0"/>
+          <a:chExt cx="0" cy="0"/>
+        </a:xfrm>
+      </p:grpSpPr>
+      <p:pic>
+        <p:nvPicPr>
+          <p:cNvPr id="4" name="図 3">
+            <a:extLst>
+              <a:ext uri="{FF2B5EF4-FFF2-40B4-BE49-F238E27FC236}">
+                <a16:creationId xmlns:a16="http://schemas.microsoft.com/office/drawing/2014/main" id="{02A2A1FA-B2C5-1940-B931-106D2B7CDE6E}"/>
+              </a:ext>
+            </a:extLst>
+          </p:cNvPr>
+          <p:cNvPicPr>
+            <a:picLocks noChangeAspect="1"/>
+          </p:cNvPicPr>
+          <p:nvPr/>
+        </p:nvPicPr>
+        <p:blipFill>
+          <a:blip r:embed="rId2"/>
+          <a:stretch>
+            <a:fillRect/>
+          </a:stretch>
+        </p:blipFill>
+        <p:spPr>
+          <a:xfrm>
+            <a:off x="2209800" y="1676400"/>
+            <a:ext cx="7772400" cy="3505200"/>
+          </a:xfrm>
+          <a:prstGeom prst="rect">
+            <a:avLst/>
+          </a:prstGeom>
+          <a:ln>
+            <a:noFill/>
+          </a:ln>
+          <a:effectLst>
+            <a:outerShdw blurRad="292100" dist="139700" dir="2700000" algn="tl" rotWithShape="0">
+              <a:srgbClr val="333333">
+                <a:alpha val="65000"/>
+              </a:srgbClr>
+            </a:outerShdw>
+          </a:effectLst>
+        </p:spPr>
+      </p:pic>
+      <p:sp>
+        <p:nvSpPr>
+          <p:cNvPr id="5" name="円/楕円 4">
+            <a:extLst>
+              <a:ext uri="{FF2B5EF4-FFF2-40B4-BE49-F238E27FC236}">
+                <a16:creationId xmlns:a16="http://schemas.microsoft.com/office/drawing/2014/main" id="{2A495002-12D4-364F-B5FF-6DD96A25AAAF}"/>
+              </a:ext>
+            </a:extLst>
+          </p:cNvPr>
+          <p:cNvSpPr/>
+          <p:nvPr/>
+        </p:nvSpPr>
+        <p:spPr>
+          <a:xfrm>
+            <a:off x="4687330" y="2644346"/>
+            <a:ext cx="1824681" cy="784653"/>
+          </a:xfrm>
+          <a:prstGeom prst="ellipse">
+            <a:avLst/>
+          </a:prstGeom>
+          <a:noFill/>
+          <a:ln w="38100">
+            <a:solidFill>
+              <a:srgbClr val="FF0000"/>
+            </a:solidFill>
+          </a:ln>
+        </p:spPr>
+        <p:style>
+          <a:lnRef idx="2">
+            <a:schemeClr val="accent1">
+              <a:shade val="50000"/>
+            </a:schemeClr>
+          </a:lnRef>
+          <a:fillRef idx="1">
+            <a:schemeClr val="accent1"/>
+          </a:fillRef>
+          <a:effectRef idx="0">
+            <a:schemeClr val="accent1"/>
+          </a:effectRef>
+          <a:fontRef idx="minor">
+            <a:schemeClr val="lt1"/>
+          </a:fontRef>
+        </p:style>
+        <p:txBody>
+          <a:bodyPr rtlCol="0" anchor="ctr"/>
+          <a:lstStyle/>
+          <a:p>
+            <a:pPr algn="ctr"/>
+            <a:endParaRPr kumimoji="1" lang="ja-JP" altLang="en-US"/>
+          </a:p>
+        </p:txBody>
+      </p:sp>
+    </p:spTree>
+    <p:extLst>
+      <p:ext uri="{BB962C8B-B14F-4D97-AF65-F5344CB8AC3E}">
+        <p14:creationId xmlns:p14="http://schemas.microsoft.com/office/powerpoint/2010/main" val="18551693"/>
+      </p:ext>
+    </p:extLst>
+  </p:cSld>
+  <p:clrMapOvr>
+    <a:masterClrMapping/>
+  </p:clrMapOvr>
+</p:sld>
+</file>
+
+<file path=ppt/slides/slide5.xml><?xml version="1.0" encoding="utf-8"?>
+<p:sld xmlns:a="http://schemas.openxmlformats.org/drawingml/2006/main" xmlns:r="http://schemas.openxmlformats.org/officeDocument/2006/relationships" xmlns:p="http://schemas.openxmlformats.org/presentationml/2006/main">
+  <p:cSld>
+    <p:spTree>
+      <p:nvGrpSpPr>
+        <p:cNvPr id="1" name=""/>
+        <p:cNvGrpSpPr/>
+        <p:nvPr/>
+      </p:nvGrpSpPr>
+      <p:grpSpPr>
+        <a:xfrm>
+          <a:off x="0" y="0"/>
+          <a:ext cx="0" cy="0"/>
+          <a:chOff x="0" y="0"/>
+          <a:chExt cx="0" cy="0"/>
+        </a:xfrm>
+      </p:grpSpPr>
+      <p:pic>
+        <p:nvPicPr>
+          <p:cNvPr id="5" name="図 4">
+            <a:extLst>
+              <a:ext uri="{FF2B5EF4-FFF2-40B4-BE49-F238E27FC236}">
+                <a16:creationId xmlns:a16="http://schemas.microsoft.com/office/drawing/2014/main" id="{620ECF0D-643E-8B40-BFFB-7E9A474DB97D}"/>
+              </a:ext>
+            </a:extLst>
+          </p:cNvPr>
+          <p:cNvPicPr>
+            <a:picLocks noChangeAspect="1"/>
+          </p:cNvPicPr>
+          <p:nvPr/>
+        </p:nvPicPr>
+        <p:blipFill>
+          <a:blip r:embed="rId2"/>
+          <a:stretch>
+            <a:fillRect/>
+          </a:stretch>
+        </p:blipFill>
+        <p:spPr>
+          <a:xfrm>
+            <a:off x="1936750" y="1524000"/>
+            <a:ext cx="8318500" cy="3810000"/>
+          </a:xfrm>
+          <a:prstGeom prst="rect">
+            <a:avLst/>
+          </a:prstGeom>
+        </p:spPr>
+      </p:pic>
+    </p:spTree>
+    <p:extLst>
+      <p:ext uri="{BB962C8B-B14F-4D97-AF65-F5344CB8AC3E}">
+        <p14:creationId xmlns:p14="http://schemas.microsoft.com/office/powerpoint/2010/main" val="1330407232"/>
       </p:ext>
     </p:extLst>
   </p:cSld>

--- a/images/figures.pptx
+++ b/images/figures.pptx
@@ -4,12 +4,18 @@
   <p:sldMasterIdLst>
     <p:sldMasterId id="2147483648" r:id="rId1"/>
   </p:sldMasterIdLst>
+  <p:notesMasterIdLst>
+    <p:notesMasterId r:id="rId10"/>
+  </p:notesMasterIdLst>
   <p:sldIdLst>
     <p:sldId id="256" r:id="rId2"/>
     <p:sldId id="257" r:id="rId3"/>
     <p:sldId id="258" r:id="rId4"/>
     <p:sldId id="259" r:id="rId5"/>
-    <p:sldId id="260" r:id="rId6"/>
+    <p:sldId id="261" r:id="rId6"/>
+    <p:sldId id="260" r:id="rId7"/>
+    <p:sldId id="262" r:id="rId8"/>
+    <p:sldId id="263" r:id="rId9"/>
   </p:sldIdLst>
   <p:sldSz cx="12192000" cy="6858000"/>
   <p:notesSz cx="6858000" cy="9144000"/>
@@ -109,6 +115,471 @@
     </a:lvl9pPr>
   </p:defaultTextStyle>
 </p:presentation>
+</file>
+
+<file path=ppt/notesMasters/notesMaster1.xml><?xml version="1.0" encoding="utf-8"?>
+<p:notesMaster xmlns:a="http://schemas.openxmlformats.org/drawingml/2006/main" xmlns:r="http://schemas.openxmlformats.org/officeDocument/2006/relationships" xmlns:p="http://schemas.openxmlformats.org/presentationml/2006/main">
+  <p:cSld>
+    <p:bg>
+      <p:bgRef idx="1001">
+        <a:schemeClr val="bg1"/>
+      </p:bgRef>
+    </p:bg>
+    <p:spTree>
+      <p:nvGrpSpPr>
+        <p:cNvPr id="1" name=""/>
+        <p:cNvGrpSpPr/>
+        <p:nvPr/>
+      </p:nvGrpSpPr>
+      <p:grpSpPr>
+        <a:xfrm>
+          <a:off x="0" y="0"/>
+          <a:ext cx="0" cy="0"/>
+          <a:chOff x="0" y="0"/>
+          <a:chExt cx="0" cy="0"/>
+        </a:xfrm>
+      </p:grpSpPr>
+      <p:sp>
+        <p:nvSpPr>
+          <p:cNvPr id="2" name="ヘッダー プレースホルダー 1"/>
+          <p:cNvSpPr>
+            <a:spLocks noGrp="1"/>
+          </p:cNvSpPr>
+          <p:nvPr>
+            <p:ph type="hdr" sz="quarter"/>
+          </p:nvPr>
+        </p:nvSpPr>
+        <p:spPr>
+          <a:xfrm>
+            <a:off x="0" y="0"/>
+            <a:ext cx="2971800" cy="458788"/>
+          </a:xfrm>
+          <a:prstGeom prst="rect">
+            <a:avLst/>
+          </a:prstGeom>
+        </p:spPr>
+        <p:txBody>
+          <a:bodyPr vert="horz" lIns="91440" tIns="45720" rIns="91440" bIns="45720" rtlCol="0"/>
+          <a:lstStyle>
+            <a:lvl1pPr algn="l">
+              <a:defRPr sz="1200"/>
+            </a:lvl1pPr>
+          </a:lstStyle>
+          <a:p>
+            <a:endParaRPr kumimoji="1" lang="ja-JP" altLang="en-US"/>
+          </a:p>
+        </p:txBody>
+      </p:sp>
+      <p:sp>
+        <p:nvSpPr>
+          <p:cNvPr id="3" name="日付プレースホルダー 2"/>
+          <p:cNvSpPr>
+            <a:spLocks noGrp="1"/>
+          </p:cNvSpPr>
+          <p:nvPr>
+            <p:ph type="dt" idx="1"/>
+          </p:nvPr>
+        </p:nvSpPr>
+        <p:spPr>
+          <a:xfrm>
+            <a:off x="3884613" y="0"/>
+            <a:ext cx="2971800" cy="458788"/>
+          </a:xfrm>
+          <a:prstGeom prst="rect">
+            <a:avLst/>
+          </a:prstGeom>
+        </p:spPr>
+        <p:txBody>
+          <a:bodyPr vert="horz" lIns="91440" tIns="45720" rIns="91440" bIns="45720" rtlCol="0"/>
+          <a:lstStyle>
+            <a:lvl1pPr algn="r">
+              <a:defRPr sz="1200"/>
+            </a:lvl1pPr>
+          </a:lstStyle>
+          <a:p>
+            <a:fld id="{964B366B-07E4-8A41-8419-445DB44EBBA3}" type="datetimeFigureOut">
+              <a:rPr kumimoji="1" lang="ja-JP" altLang="en-US" smtClean="0"/>
+              <a:t>2019/11/5</a:t>
+            </a:fld>
+            <a:endParaRPr kumimoji="1" lang="ja-JP" altLang="en-US"/>
+          </a:p>
+        </p:txBody>
+      </p:sp>
+      <p:sp>
+        <p:nvSpPr>
+          <p:cNvPr id="4" name="スライド イメージ プレースホルダー 3"/>
+          <p:cNvSpPr>
+            <a:spLocks noGrp="1" noRot="1" noChangeAspect="1"/>
+          </p:cNvSpPr>
+          <p:nvPr>
+            <p:ph type="sldImg" idx="2"/>
+          </p:nvPr>
+        </p:nvSpPr>
+        <p:spPr>
+          <a:xfrm>
+            <a:off x="685800" y="1143000"/>
+            <a:ext cx="5486400" cy="3086100"/>
+          </a:xfrm>
+          <a:prstGeom prst="rect">
+            <a:avLst/>
+          </a:prstGeom>
+          <a:noFill/>
+          <a:ln w="12700">
+            <a:solidFill>
+              <a:prstClr val="black"/>
+            </a:solidFill>
+          </a:ln>
+        </p:spPr>
+        <p:txBody>
+          <a:bodyPr vert="horz" lIns="91440" tIns="45720" rIns="91440" bIns="45720" rtlCol="0" anchor="ctr"/>
+          <a:lstStyle/>
+          <a:p>
+            <a:endParaRPr lang="ja-JP" altLang="en-US"/>
+          </a:p>
+        </p:txBody>
+      </p:sp>
+      <p:sp>
+        <p:nvSpPr>
+          <p:cNvPr id="5" name="ノート プレースホルダー 4"/>
+          <p:cNvSpPr>
+            <a:spLocks noGrp="1"/>
+          </p:cNvSpPr>
+          <p:nvPr>
+            <p:ph type="body" sz="quarter" idx="3"/>
+          </p:nvPr>
+        </p:nvSpPr>
+        <p:spPr>
+          <a:xfrm>
+            <a:off x="685800" y="4400550"/>
+            <a:ext cx="5486400" cy="3600450"/>
+          </a:xfrm>
+          <a:prstGeom prst="rect">
+            <a:avLst/>
+          </a:prstGeom>
+        </p:spPr>
+        <p:txBody>
+          <a:bodyPr vert="horz" lIns="91440" tIns="45720" rIns="91440" bIns="45720" rtlCol="0"/>
+          <a:lstStyle/>
+          <a:p>
+            <a:pPr lvl="0"/>
+            <a:r>
+              <a:rPr kumimoji="1" lang="ja-JP" altLang="en-US"/>
+              <a:t>マスター テキストの書式設定</a:t>
+            </a:r>
+          </a:p>
+          <a:p>
+            <a:pPr lvl="1"/>
+            <a:r>
+              <a:rPr kumimoji="1" lang="ja-JP" altLang="en-US"/>
+              <a:t>第 </a:t>
+            </a:r>
+            <a:r>
+              <a:rPr kumimoji="1" lang="en-US" altLang="ja-JP"/>
+              <a:t>2 </a:t>
+            </a:r>
+            <a:r>
+              <a:rPr kumimoji="1" lang="ja-JP" altLang="en-US"/>
+              <a:t>レベル</a:t>
+            </a:r>
+          </a:p>
+          <a:p>
+            <a:pPr lvl="2"/>
+            <a:r>
+              <a:rPr kumimoji="1" lang="ja-JP" altLang="en-US"/>
+              <a:t>第 </a:t>
+            </a:r>
+            <a:r>
+              <a:rPr kumimoji="1" lang="en-US" altLang="ja-JP"/>
+              <a:t>3 </a:t>
+            </a:r>
+            <a:r>
+              <a:rPr kumimoji="1" lang="ja-JP" altLang="en-US"/>
+              <a:t>レベル</a:t>
+            </a:r>
+          </a:p>
+          <a:p>
+            <a:pPr lvl="3"/>
+            <a:r>
+              <a:rPr kumimoji="1" lang="ja-JP" altLang="en-US"/>
+              <a:t>第 </a:t>
+            </a:r>
+            <a:r>
+              <a:rPr kumimoji="1" lang="en-US" altLang="ja-JP"/>
+              <a:t>4 </a:t>
+            </a:r>
+            <a:r>
+              <a:rPr kumimoji="1" lang="ja-JP" altLang="en-US"/>
+              <a:t>レベル</a:t>
+            </a:r>
+          </a:p>
+          <a:p>
+            <a:pPr lvl="4"/>
+            <a:r>
+              <a:rPr kumimoji="1" lang="ja-JP" altLang="en-US"/>
+              <a:t>第 </a:t>
+            </a:r>
+            <a:r>
+              <a:rPr kumimoji="1" lang="en-US" altLang="ja-JP"/>
+              <a:t>5 </a:t>
+            </a:r>
+            <a:r>
+              <a:rPr kumimoji="1" lang="ja-JP" altLang="en-US"/>
+              <a:t>レベル</a:t>
+            </a:r>
+          </a:p>
+        </p:txBody>
+      </p:sp>
+      <p:sp>
+        <p:nvSpPr>
+          <p:cNvPr id="6" name="フッター プレースホルダー 5"/>
+          <p:cNvSpPr>
+            <a:spLocks noGrp="1"/>
+          </p:cNvSpPr>
+          <p:nvPr>
+            <p:ph type="ftr" sz="quarter" idx="4"/>
+          </p:nvPr>
+        </p:nvSpPr>
+        <p:spPr>
+          <a:xfrm>
+            <a:off x="0" y="8685213"/>
+            <a:ext cx="2971800" cy="458787"/>
+          </a:xfrm>
+          <a:prstGeom prst="rect">
+            <a:avLst/>
+          </a:prstGeom>
+        </p:spPr>
+        <p:txBody>
+          <a:bodyPr vert="horz" lIns="91440" tIns="45720" rIns="91440" bIns="45720" rtlCol="0" anchor="b"/>
+          <a:lstStyle>
+            <a:lvl1pPr algn="l">
+              <a:defRPr sz="1200"/>
+            </a:lvl1pPr>
+          </a:lstStyle>
+          <a:p>
+            <a:endParaRPr kumimoji="1" lang="ja-JP" altLang="en-US"/>
+          </a:p>
+        </p:txBody>
+      </p:sp>
+      <p:sp>
+        <p:nvSpPr>
+          <p:cNvPr id="7" name="スライド番号プレースホルダー 6"/>
+          <p:cNvSpPr>
+            <a:spLocks noGrp="1"/>
+          </p:cNvSpPr>
+          <p:nvPr>
+            <p:ph type="sldNum" sz="quarter" idx="5"/>
+          </p:nvPr>
+        </p:nvSpPr>
+        <p:spPr>
+          <a:xfrm>
+            <a:off x="3884613" y="8685213"/>
+            <a:ext cx="2971800" cy="458787"/>
+          </a:xfrm>
+          <a:prstGeom prst="rect">
+            <a:avLst/>
+          </a:prstGeom>
+        </p:spPr>
+        <p:txBody>
+          <a:bodyPr vert="horz" lIns="91440" tIns="45720" rIns="91440" bIns="45720" rtlCol="0" anchor="b"/>
+          <a:lstStyle>
+            <a:lvl1pPr algn="r">
+              <a:defRPr sz="1200"/>
+            </a:lvl1pPr>
+          </a:lstStyle>
+          <a:p>
+            <a:fld id="{27913B5F-177E-664E-A7D8-FC8E630A957F}" type="slidenum">
+              <a:rPr kumimoji="1" lang="ja-JP" altLang="en-US" smtClean="0"/>
+              <a:t>‹#›</a:t>
+            </a:fld>
+            <a:endParaRPr kumimoji="1" lang="ja-JP" altLang="en-US"/>
+          </a:p>
+        </p:txBody>
+      </p:sp>
+    </p:spTree>
+    <p:extLst>
+      <p:ext uri="{BB962C8B-B14F-4D97-AF65-F5344CB8AC3E}">
+        <p14:creationId xmlns:p14="http://schemas.microsoft.com/office/powerpoint/2010/main" val="2074920821"/>
+      </p:ext>
+    </p:extLst>
+  </p:cSld>
+  <p:clrMap bg1="lt1" tx1="dk1" bg2="lt2" tx2="dk2" accent1="accent1" accent2="accent2" accent3="accent3" accent4="accent4" accent5="accent5" accent6="accent6" hlink="hlink" folHlink="folHlink"/>
+  <p:notesStyle>
+    <a:lvl1pPr marL="0" algn="l" defTabSz="914400" rtl="0" eaLnBrk="1" latinLnBrk="0" hangingPunct="1">
+      <a:defRPr kumimoji="1" sz="1200" kern="1200">
+        <a:solidFill>
+          <a:schemeClr val="tx1"/>
+        </a:solidFill>
+        <a:latin typeface="+mn-lt"/>
+        <a:ea typeface="+mn-ea"/>
+        <a:cs typeface="+mn-cs"/>
+      </a:defRPr>
+    </a:lvl1pPr>
+    <a:lvl2pPr marL="457200" algn="l" defTabSz="914400" rtl="0" eaLnBrk="1" latinLnBrk="0" hangingPunct="1">
+      <a:defRPr kumimoji="1" sz="1200" kern="1200">
+        <a:solidFill>
+          <a:schemeClr val="tx1"/>
+        </a:solidFill>
+        <a:latin typeface="+mn-lt"/>
+        <a:ea typeface="+mn-ea"/>
+        <a:cs typeface="+mn-cs"/>
+      </a:defRPr>
+    </a:lvl2pPr>
+    <a:lvl3pPr marL="914400" algn="l" defTabSz="914400" rtl="0" eaLnBrk="1" latinLnBrk="0" hangingPunct="1">
+      <a:defRPr kumimoji="1" sz="1200" kern="1200">
+        <a:solidFill>
+          <a:schemeClr val="tx1"/>
+        </a:solidFill>
+        <a:latin typeface="+mn-lt"/>
+        <a:ea typeface="+mn-ea"/>
+        <a:cs typeface="+mn-cs"/>
+      </a:defRPr>
+    </a:lvl3pPr>
+    <a:lvl4pPr marL="1371600" algn="l" defTabSz="914400" rtl="0" eaLnBrk="1" latinLnBrk="0" hangingPunct="1">
+      <a:defRPr kumimoji="1" sz="1200" kern="1200">
+        <a:solidFill>
+          <a:schemeClr val="tx1"/>
+        </a:solidFill>
+        <a:latin typeface="+mn-lt"/>
+        <a:ea typeface="+mn-ea"/>
+        <a:cs typeface="+mn-cs"/>
+      </a:defRPr>
+    </a:lvl4pPr>
+    <a:lvl5pPr marL="1828800" algn="l" defTabSz="914400" rtl="0" eaLnBrk="1" latinLnBrk="0" hangingPunct="1">
+      <a:defRPr kumimoji="1" sz="1200" kern="1200">
+        <a:solidFill>
+          <a:schemeClr val="tx1"/>
+        </a:solidFill>
+        <a:latin typeface="+mn-lt"/>
+        <a:ea typeface="+mn-ea"/>
+        <a:cs typeface="+mn-cs"/>
+      </a:defRPr>
+    </a:lvl5pPr>
+    <a:lvl6pPr marL="2286000" algn="l" defTabSz="914400" rtl="0" eaLnBrk="1" latinLnBrk="0" hangingPunct="1">
+      <a:defRPr kumimoji="1" sz="1200" kern="1200">
+        <a:solidFill>
+          <a:schemeClr val="tx1"/>
+        </a:solidFill>
+        <a:latin typeface="+mn-lt"/>
+        <a:ea typeface="+mn-ea"/>
+        <a:cs typeface="+mn-cs"/>
+      </a:defRPr>
+    </a:lvl6pPr>
+    <a:lvl7pPr marL="2743200" algn="l" defTabSz="914400" rtl="0" eaLnBrk="1" latinLnBrk="0" hangingPunct="1">
+      <a:defRPr kumimoji="1" sz="1200" kern="1200">
+        <a:solidFill>
+          <a:schemeClr val="tx1"/>
+        </a:solidFill>
+        <a:latin typeface="+mn-lt"/>
+        <a:ea typeface="+mn-ea"/>
+        <a:cs typeface="+mn-cs"/>
+      </a:defRPr>
+    </a:lvl7pPr>
+    <a:lvl8pPr marL="3200400" algn="l" defTabSz="914400" rtl="0" eaLnBrk="1" latinLnBrk="0" hangingPunct="1">
+      <a:defRPr kumimoji="1" sz="1200" kern="1200">
+        <a:solidFill>
+          <a:schemeClr val="tx1"/>
+        </a:solidFill>
+        <a:latin typeface="+mn-lt"/>
+        <a:ea typeface="+mn-ea"/>
+        <a:cs typeface="+mn-cs"/>
+      </a:defRPr>
+    </a:lvl8pPr>
+    <a:lvl9pPr marL="3657600" algn="l" defTabSz="914400" rtl="0" eaLnBrk="1" latinLnBrk="0" hangingPunct="1">
+      <a:defRPr kumimoji="1" sz="1200" kern="1200">
+        <a:solidFill>
+          <a:schemeClr val="tx1"/>
+        </a:solidFill>
+        <a:latin typeface="+mn-lt"/>
+        <a:ea typeface="+mn-ea"/>
+        <a:cs typeface="+mn-cs"/>
+      </a:defRPr>
+    </a:lvl9pPr>
+  </p:notesStyle>
+</p:notesMaster>
+</file>
+
+<file path=ppt/notesSlides/notesSlide1.xml><?xml version="1.0" encoding="utf-8"?>
+<p:notes xmlns:a="http://schemas.openxmlformats.org/drawingml/2006/main" xmlns:r="http://schemas.openxmlformats.org/officeDocument/2006/relationships" xmlns:p="http://schemas.openxmlformats.org/presentationml/2006/main">
+  <p:cSld>
+    <p:spTree>
+      <p:nvGrpSpPr>
+        <p:cNvPr id="1" name=""/>
+        <p:cNvGrpSpPr/>
+        <p:nvPr/>
+      </p:nvGrpSpPr>
+      <p:grpSpPr>
+        <a:xfrm>
+          <a:off x="0" y="0"/>
+          <a:ext cx="0" cy="0"/>
+          <a:chOff x="0" y="0"/>
+          <a:chExt cx="0" cy="0"/>
+        </a:xfrm>
+      </p:grpSpPr>
+      <p:sp>
+        <p:nvSpPr>
+          <p:cNvPr id="2" name="スライド イメージ プレースホルダー 1"/>
+          <p:cNvSpPr>
+            <a:spLocks noGrp="1" noRot="1" noChangeAspect="1"/>
+          </p:cNvSpPr>
+          <p:nvPr>
+            <p:ph type="sldImg"/>
+          </p:nvPr>
+        </p:nvSpPr>
+        <p:spPr/>
+      </p:sp>
+      <p:sp>
+        <p:nvSpPr>
+          <p:cNvPr id="3" name="ノート プレースホルダー 2"/>
+          <p:cNvSpPr>
+            <a:spLocks noGrp="1"/>
+          </p:cNvSpPr>
+          <p:nvPr>
+            <p:ph type="body" idx="1"/>
+          </p:nvPr>
+        </p:nvSpPr>
+        <p:spPr/>
+        <p:txBody>
+          <a:bodyPr/>
+          <a:lstStyle/>
+          <a:p>
+            <a:endParaRPr kumimoji="1" lang="ja-JP" altLang="en-US"/>
+          </a:p>
+        </p:txBody>
+      </p:sp>
+      <p:sp>
+        <p:nvSpPr>
+          <p:cNvPr id="4" name="スライド番号プレースホルダー 3"/>
+          <p:cNvSpPr>
+            <a:spLocks noGrp="1"/>
+          </p:cNvSpPr>
+          <p:nvPr>
+            <p:ph type="sldNum" sz="quarter" idx="5"/>
+          </p:nvPr>
+        </p:nvSpPr>
+        <p:spPr/>
+        <p:txBody>
+          <a:bodyPr/>
+          <a:lstStyle/>
+          <a:p>
+            <a:fld id="{27913B5F-177E-664E-A7D8-FC8E630A957F}" type="slidenum">
+              <a:rPr kumimoji="1" lang="ja-JP" altLang="en-US" smtClean="0"/>
+              <a:t>6</a:t>
+            </a:fld>
+            <a:endParaRPr kumimoji="1" lang="ja-JP" altLang="en-US"/>
+          </a:p>
+        </p:txBody>
+      </p:sp>
+    </p:spTree>
+    <p:extLst>
+      <p:ext uri="{BB962C8B-B14F-4D97-AF65-F5344CB8AC3E}">
+        <p14:creationId xmlns:p14="http://schemas.microsoft.com/office/powerpoint/2010/main" val="94255997"/>
+      </p:ext>
+    </p:extLst>
+  </p:cSld>
+  <p:clrMapOvr>
+    <a:masterClrMapping/>
+  </p:clrMapOvr>
+</p:notes>
 </file>
 
 <file path=ppt/slideLayouts/slideLayout1.xml><?xml version="1.0" encoding="utf-8"?>
@@ -4881,10 +5352,892 @@
       </p:grpSpPr>
       <p:pic>
         <p:nvPicPr>
+          <p:cNvPr id="3" name="図 2">
+            <a:extLst>
+              <a:ext uri="{FF2B5EF4-FFF2-40B4-BE49-F238E27FC236}">
+                <a16:creationId xmlns:a16="http://schemas.microsoft.com/office/drawing/2014/main" id="{09137A38-B981-8D47-A160-8F39E519BCBE}"/>
+              </a:ext>
+            </a:extLst>
+          </p:cNvPr>
+          <p:cNvPicPr>
+            <a:picLocks noChangeAspect="1"/>
+          </p:cNvPicPr>
+          <p:nvPr/>
+        </p:nvPicPr>
+        <p:blipFill rotWithShape="1">
+          <a:blip r:embed="rId2"/>
+          <a:srcRect l="24400" t="19676"/>
+          <a:stretch/>
+        </p:blipFill>
+        <p:spPr>
+          <a:xfrm>
+            <a:off x="1012373" y="659067"/>
+            <a:ext cx="6288731" cy="3060361"/>
+          </a:xfrm>
+          <a:prstGeom prst="rect">
+            <a:avLst/>
+          </a:prstGeom>
+          <a:ln>
+            <a:noFill/>
+          </a:ln>
+          <a:effectLst>
+            <a:outerShdw blurRad="292100" dist="139700" dir="2700000" algn="tl" rotWithShape="0">
+              <a:srgbClr val="333333">
+                <a:alpha val="65000"/>
+              </a:srgbClr>
+            </a:outerShdw>
+          </a:effectLst>
+        </p:spPr>
+      </p:pic>
+      <p:pic>
+        <p:nvPicPr>
           <p:cNvPr id="5" name="図 4">
             <a:extLst>
               <a:ext uri="{FF2B5EF4-FFF2-40B4-BE49-F238E27FC236}">
+                <a16:creationId xmlns:a16="http://schemas.microsoft.com/office/drawing/2014/main" id="{24B3194B-B371-474B-9BF3-DA061B7243F1}"/>
+              </a:ext>
+            </a:extLst>
+          </p:cNvPr>
+          <p:cNvPicPr>
+            <a:picLocks noChangeAspect="1"/>
+          </p:cNvPicPr>
+          <p:nvPr/>
+        </p:nvPicPr>
+        <p:blipFill>
+          <a:blip r:embed="rId3"/>
+          <a:stretch>
+            <a:fillRect/>
+          </a:stretch>
+        </p:blipFill>
+        <p:spPr>
+          <a:xfrm>
+            <a:off x="7751474" y="659067"/>
+            <a:ext cx="2919730" cy="4260850"/>
+          </a:xfrm>
+          <a:prstGeom prst="rect">
+            <a:avLst/>
+          </a:prstGeom>
+          <a:ln>
+            <a:noFill/>
+          </a:ln>
+          <a:effectLst>
+            <a:outerShdw blurRad="292100" dist="139700" dir="2700000" algn="tl" rotWithShape="0">
+              <a:srgbClr val="333333">
+                <a:alpha val="65000"/>
+              </a:srgbClr>
+            </a:outerShdw>
+          </a:effectLst>
+        </p:spPr>
+      </p:pic>
+      <p:sp>
+        <p:nvSpPr>
+          <p:cNvPr id="6" name="円/楕円 5">
+            <a:extLst>
+              <a:ext uri="{FF2B5EF4-FFF2-40B4-BE49-F238E27FC236}">
+                <a16:creationId xmlns:a16="http://schemas.microsoft.com/office/drawing/2014/main" id="{96F96B7A-AF02-BC42-96D9-82C77925CA84}"/>
+              </a:ext>
+            </a:extLst>
+          </p:cNvPr>
+          <p:cNvSpPr/>
+          <p:nvPr/>
+        </p:nvSpPr>
+        <p:spPr>
+          <a:xfrm>
+            <a:off x="6020326" y="2206564"/>
+            <a:ext cx="743128" cy="395416"/>
+          </a:xfrm>
+          <a:prstGeom prst="ellipse">
+            <a:avLst/>
+          </a:prstGeom>
+          <a:noFill/>
+          <a:ln w="38100">
+            <a:solidFill>
+              <a:srgbClr val="FF0000"/>
+            </a:solidFill>
+          </a:ln>
+        </p:spPr>
+        <p:style>
+          <a:lnRef idx="2">
+            <a:schemeClr val="accent1">
+              <a:shade val="50000"/>
+            </a:schemeClr>
+          </a:lnRef>
+          <a:fillRef idx="1">
+            <a:schemeClr val="accent1"/>
+          </a:fillRef>
+          <a:effectRef idx="0">
+            <a:schemeClr val="accent1"/>
+          </a:effectRef>
+          <a:fontRef idx="minor">
+            <a:schemeClr val="lt1"/>
+          </a:fontRef>
+        </p:style>
+        <p:txBody>
+          <a:bodyPr rtlCol="0" anchor="ctr"/>
+          <a:lstStyle/>
+          <a:p>
+            <a:pPr algn="ctr"/>
+            <a:endParaRPr kumimoji="1" lang="ja-JP" altLang="en-US"/>
+          </a:p>
+        </p:txBody>
+      </p:sp>
+      <p:sp>
+        <p:nvSpPr>
+          <p:cNvPr id="7" name="角丸四角形吹き出し 6">
+            <a:extLst>
+              <a:ext uri="{FF2B5EF4-FFF2-40B4-BE49-F238E27FC236}">
+                <a16:creationId xmlns:a16="http://schemas.microsoft.com/office/drawing/2014/main" id="{01B336C7-6603-2544-8375-820948536EAF}"/>
+              </a:ext>
+            </a:extLst>
+          </p:cNvPr>
+          <p:cNvSpPr/>
+          <p:nvPr/>
+        </p:nvSpPr>
+        <p:spPr>
+          <a:xfrm>
+            <a:off x="4440527" y="4449267"/>
+            <a:ext cx="3064475" cy="619554"/>
+          </a:xfrm>
+          <a:prstGeom prst="wedgeRoundRectCallout">
+            <a:avLst>
+              <a:gd name="adj1" fmla="val 67282"/>
+              <a:gd name="adj2" fmla="val -47242"/>
+              <a:gd name="adj3" fmla="val 16667"/>
+            </a:avLst>
+          </a:prstGeom>
+        </p:spPr>
+        <p:style>
+          <a:lnRef idx="1">
+            <a:schemeClr val="accent2"/>
+          </a:lnRef>
+          <a:fillRef idx="2">
+            <a:schemeClr val="accent2"/>
+          </a:fillRef>
+          <a:effectRef idx="1">
+            <a:schemeClr val="accent2"/>
+          </a:effectRef>
+          <a:fontRef idx="minor">
+            <a:schemeClr val="dk1"/>
+          </a:fontRef>
+        </p:style>
+        <p:txBody>
+          <a:bodyPr rtlCol="0" anchor="ctr"/>
+          <a:lstStyle/>
+          <a:p>
+            <a:pPr algn="ctr"/>
+            <a:r>
+              <a:rPr kumimoji="1" lang="en-US" altLang="ja-JP" sz="1200" dirty="0"/>
+              <a:t>Blob</a:t>
+            </a:r>
+            <a:r>
+              <a:rPr kumimoji="1" lang="ja-JP" altLang="en-US" sz="1200"/>
+              <a:t> の静的 </a:t>
+            </a:r>
+            <a:r>
+              <a:rPr kumimoji="1" lang="en-US" altLang="ja-JP" sz="1200" dirty="0"/>
+              <a:t>Web</a:t>
+            </a:r>
+            <a:r>
+              <a:rPr lang="ja-JP" altLang="en-US" sz="1200"/>
+              <a:t> サイトホスティングで作成されたプライマリエンドポイント</a:t>
+            </a:r>
+            <a:endParaRPr kumimoji="1" lang="ja-JP" altLang="en-US" sz="1200"/>
+          </a:p>
+        </p:txBody>
+      </p:sp>
+      <p:cxnSp>
+        <p:nvCxnSpPr>
+          <p:cNvPr id="8" name="直線矢印コネクタ 7">
+            <a:extLst>
+              <a:ext uri="{FF2B5EF4-FFF2-40B4-BE49-F238E27FC236}">
+                <a16:creationId xmlns:a16="http://schemas.microsoft.com/office/drawing/2014/main" id="{DE7A69DD-5F11-C147-A298-7AFFD7E041F7}"/>
+              </a:ext>
+            </a:extLst>
+          </p:cNvPr>
+          <p:cNvCxnSpPr>
+            <a:cxnSpLocks/>
+          </p:cNvCxnSpPr>
+          <p:nvPr/>
+        </p:nvCxnSpPr>
+        <p:spPr>
+          <a:xfrm flipV="1">
+            <a:off x="6763454" y="1552353"/>
+            <a:ext cx="1132513" cy="851919"/>
+          </a:xfrm>
+          <a:prstGeom prst="straightConnector1">
+            <a:avLst/>
+          </a:prstGeom>
+          <a:noFill/>
+          <a:ln w="38100">
+            <a:solidFill>
+              <a:srgbClr val="FF0000"/>
+            </a:solidFill>
+            <a:headEnd type="none" w="med" len="med"/>
+            <a:tailEnd type="arrow" w="med" len="med"/>
+          </a:ln>
+        </p:spPr>
+        <p:style>
+          <a:lnRef idx="2">
+            <a:schemeClr val="accent1">
+              <a:shade val="50000"/>
+            </a:schemeClr>
+          </a:lnRef>
+          <a:fillRef idx="1">
+            <a:schemeClr val="accent1"/>
+          </a:fillRef>
+          <a:effectRef idx="0">
+            <a:schemeClr val="accent1"/>
+          </a:effectRef>
+          <a:fontRef idx="minor">
+            <a:schemeClr val="lt1"/>
+          </a:fontRef>
+        </p:style>
+      </p:cxnSp>
+      <p:sp>
+        <p:nvSpPr>
+          <p:cNvPr id="10" name="円/楕円 9">
+            <a:extLst>
+              <a:ext uri="{FF2B5EF4-FFF2-40B4-BE49-F238E27FC236}">
+                <a16:creationId xmlns:a16="http://schemas.microsoft.com/office/drawing/2014/main" id="{DECAF157-9AB4-2742-80F0-30BA0F522CD0}"/>
+              </a:ext>
+            </a:extLst>
+          </p:cNvPr>
+          <p:cNvSpPr/>
+          <p:nvPr/>
+        </p:nvSpPr>
+        <p:spPr>
+          <a:xfrm>
+            <a:off x="7939644" y="4251559"/>
+            <a:ext cx="2352672" cy="395416"/>
+          </a:xfrm>
+          <a:prstGeom prst="ellipse">
+            <a:avLst/>
+          </a:prstGeom>
+          <a:noFill/>
+          <a:ln w="38100">
+            <a:solidFill>
+              <a:srgbClr val="FF0000"/>
+            </a:solidFill>
+          </a:ln>
+        </p:spPr>
+        <p:style>
+          <a:lnRef idx="2">
+            <a:schemeClr val="accent1">
+              <a:shade val="50000"/>
+            </a:schemeClr>
+          </a:lnRef>
+          <a:fillRef idx="1">
+            <a:schemeClr val="accent1"/>
+          </a:fillRef>
+          <a:effectRef idx="0">
+            <a:schemeClr val="accent1"/>
+          </a:effectRef>
+          <a:fontRef idx="minor">
+            <a:schemeClr val="lt1"/>
+          </a:fontRef>
+        </p:style>
+        <p:txBody>
+          <a:bodyPr rtlCol="0" anchor="ctr"/>
+          <a:lstStyle/>
+          <a:p>
+            <a:pPr algn="ctr"/>
+            <a:endParaRPr kumimoji="1" lang="ja-JP" altLang="en-US"/>
+          </a:p>
+        </p:txBody>
+      </p:sp>
+    </p:spTree>
+    <p:extLst>
+      <p:ext uri="{BB962C8B-B14F-4D97-AF65-F5344CB8AC3E}">
+        <p14:creationId xmlns:p14="http://schemas.microsoft.com/office/powerpoint/2010/main" val="3002317479"/>
+      </p:ext>
+    </p:extLst>
+  </p:cSld>
+  <p:clrMapOvr>
+    <a:masterClrMapping/>
+  </p:clrMapOvr>
+</p:sld>
+</file>
+
+<file path=ppt/slides/slide6.xml><?xml version="1.0" encoding="utf-8"?>
+<p:sld xmlns:a="http://schemas.openxmlformats.org/drawingml/2006/main" xmlns:r="http://schemas.openxmlformats.org/officeDocument/2006/relationships" xmlns:p="http://schemas.openxmlformats.org/presentationml/2006/main">
+  <p:cSld>
+    <p:spTree>
+      <p:nvGrpSpPr>
+        <p:cNvPr id="1" name=""/>
+        <p:cNvGrpSpPr/>
+        <p:nvPr/>
+      </p:nvGrpSpPr>
+      <p:grpSpPr>
+        <a:xfrm>
+          <a:off x="0" y="0"/>
+          <a:ext cx="0" cy="0"/>
+          <a:chOff x="0" y="0"/>
+          <a:chExt cx="0" cy="0"/>
+        </a:xfrm>
+      </p:grpSpPr>
+      <p:pic>
+        <p:nvPicPr>
+          <p:cNvPr id="5" name="図 4">
+            <a:extLst>
+              <a:ext uri="{FF2B5EF4-FFF2-40B4-BE49-F238E27FC236}">
                 <a16:creationId xmlns:a16="http://schemas.microsoft.com/office/drawing/2014/main" id="{620ECF0D-643E-8B40-BFFB-7E9A474DB97D}"/>
+              </a:ext>
+            </a:extLst>
+          </p:cNvPr>
+          <p:cNvPicPr>
+            <a:picLocks noChangeAspect="1"/>
+          </p:cNvPicPr>
+          <p:nvPr/>
+        </p:nvPicPr>
+        <p:blipFill rotWithShape="1">
+          <a:blip r:embed="rId3"/>
+          <a:srcRect l="24400" t="19676"/>
+          <a:stretch/>
+        </p:blipFill>
+        <p:spPr>
+          <a:xfrm>
+            <a:off x="370703" y="368639"/>
+            <a:ext cx="6288731" cy="3060361"/>
+          </a:xfrm>
+          <a:prstGeom prst="rect">
+            <a:avLst/>
+          </a:prstGeom>
+          <a:ln>
+            <a:noFill/>
+          </a:ln>
+          <a:effectLst>
+            <a:outerShdw blurRad="292100" dist="139700" dir="2700000" algn="tl" rotWithShape="0">
+              <a:srgbClr val="333333">
+                <a:alpha val="65000"/>
+              </a:srgbClr>
+            </a:outerShdw>
+          </a:effectLst>
+        </p:spPr>
+      </p:pic>
+      <p:sp>
+        <p:nvSpPr>
+          <p:cNvPr id="6" name="円/楕円 5">
+            <a:extLst>
+              <a:ext uri="{FF2B5EF4-FFF2-40B4-BE49-F238E27FC236}">
+                <a16:creationId xmlns:a16="http://schemas.microsoft.com/office/drawing/2014/main" id="{F8010E02-B800-644E-8414-2F8C4EA80C79}"/>
+              </a:ext>
+            </a:extLst>
+          </p:cNvPr>
+          <p:cNvSpPr/>
+          <p:nvPr/>
+        </p:nvSpPr>
+        <p:spPr>
+          <a:xfrm>
+            <a:off x="1944130" y="368640"/>
+            <a:ext cx="1581665" cy="395416"/>
+          </a:xfrm>
+          <a:prstGeom prst="ellipse">
+            <a:avLst/>
+          </a:prstGeom>
+          <a:noFill/>
+          <a:ln w="38100">
+            <a:solidFill>
+              <a:srgbClr val="FF0000"/>
+            </a:solidFill>
+          </a:ln>
+        </p:spPr>
+        <p:style>
+          <a:lnRef idx="2">
+            <a:schemeClr val="accent1">
+              <a:shade val="50000"/>
+            </a:schemeClr>
+          </a:lnRef>
+          <a:fillRef idx="1">
+            <a:schemeClr val="accent1"/>
+          </a:fillRef>
+          <a:effectRef idx="0">
+            <a:schemeClr val="accent1"/>
+          </a:effectRef>
+          <a:fontRef idx="minor">
+            <a:schemeClr val="lt1"/>
+          </a:fontRef>
+        </p:style>
+        <p:txBody>
+          <a:bodyPr rtlCol="0" anchor="ctr"/>
+          <a:lstStyle/>
+          <a:p>
+            <a:pPr algn="ctr"/>
+            <a:endParaRPr kumimoji="1" lang="ja-JP" altLang="en-US"/>
+          </a:p>
+        </p:txBody>
+      </p:sp>
+      <p:sp>
+        <p:nvSpPr>
+          <p:cNvPr id="7" name="円/楕円 6">
+            <a:extLst>
+              <a:ext uri="{FF2B5EF4-FFF2-40B4-BE49-F238E27FC236}">
+                <a16:creationId xmlns:a16="http://schemas.microsoft.com/office/drawing/2014/main" id="{28B110A3-02DB-E947-840A-63ADCBE4E8CB}"/>
+              </a:ext>
+            </a:extLst>
+          </p:cNvPr>
+          <p:cNvSpPr/>
+          <p:nvPr/>
+        </p:nvSpPr>
+        <p:spPr>
+          <a:xfrm>
+            <a:off x="2861757" y="2160370"/>
+            <a:ext cx="982089" cy="395416"/>
+          </a:xfrm>
+          <a:prstGeom prst="ellipse">
+            <a:avLst/>
+          </a:prstGeom>
+          <a:noFill/>
+          <a:ln w="38100">
+            <a:solidFill>
+              <a:srgbClr val="FF0000"/>
+            </a:solidFill>
+          </a:ln>
+        </p:spPr>
+        <p:style>
+          <a:lnRef idx="2">
+            <a:schemeClr val="accent1">
+              <a:shade val="50000"/>
+            </a:schemeClr>
+          </a:lnRef>
+          <a:fillRef idx="1">
+            <a:schemeClr val="accent1"/>
+          </a:fillRef>
+          <a:effectRef idx="0">
+            <a:schemeClr val="accent1"/>
+          </a:effectRef>
+          <a:fontRef idx="minor">
+            <a:schemeClr val="lt1"/>
+          </a:fontRef>
+        </p:style>
+        <p:txBody>
+          <a:bodyPr rtlCol="0" anchor="ctr"/>
+          <a:lstStyle/>
+          <a:p>
+            <a:pPr algn="ctr"/>
+            <a:endParaRPr kumimoji="1" lang="ja-JP" altLang="en-US"/>
+          </a:p>
+        </p:txBody>
+      </p:sp>
+      <p:pic>
+        <p:nvPicPr>
+          <p:cNvPr id="8" name="図 7">
+            <a:extLst>
+              <a:ext uri="{FF2B5EF4-FFF2-40B4-BE49-F238E27FC236}">
+                <a16:creationId xmlns:a16="http://schemas.microsoft.com/office/drawing/2014/main" id="{1BE57F5E-145B-3D40-BC2D-3231A1821F86}"/>
+              </a:ext>
+            </a:extLst>
+          </p:cNvPr>
+          <p:cNvPicPr>
+            <a:picLocks noChangeAspect="1"/>
+          </p:cNvPicPr>
+          <p:nvPr/>
+        </p:nvPicPr>
+        <p:blipFill>
+          <a:blip r:embed="rId4"/>
+          <a:stretch>
+            <a:fillRect/>
+          </a:stretch>
+        </p:blipFill>
+        <p:spPr>
+          <a:xfrm>
+            <a:off x="4360726" y="2100355"/>
+            <a:ext cx="3595879" cy="3840335"/>
+          </a:xfrm>
+          <a:prstGeom prst="rect">
+            <a:avLst/>
+          </a:prstGeom>
+          <a:ln>
+            <a:noFill/>
+          </a:ln>
+          <a:effectLst>
+            <a:outerShdw blurRad="292100" dist="139700" dir="2700000" algn="tl" rotWithShape="0">
+              <a:srgbClr val="333333">
+                <a:alpha val="65000"/>
+              </a:srgbClr>
+            </a:outerShdw>
+          </a:effectLst>
+        </p:spPr>
+      </p:pic>
+      <p:sp>
+        <p:nvSpPr>
+          <p:cNvPr id="9" name="円/楕円 8">
+            <a:extLst>
+              <a:ext uri="{FF2B5EF4-FFF2-40B4-BE49-F238E27FC236}">
+                <a16:creationId xmlns:a16="http://schemas.microsoft.com/office/drawing/2014/main" id="{6E87432F-64FB-F74B-AE46-F04060E759A8}"/>
+              </a:ext>
+            </a:extLst>
+          </p:cNvPr>
+          <p:cNvSpPr/>
+          <p:nvPr/>
+        </p:nvSpPr>
+        <p:spPr>
+          <a:xfrm>
+            <a:off x="4315595" y="3435953"/>
+            <a:ext cx="1455333" cy="526103"/>
+          </a:xfrm>
+          <a:prstGeom prst="ellipse">
+            <a:avLst/>
+          </a:prstGeom>
+          <a:noFill/>
+          <a:ln w="38100">
+            <a:solidFill>
+              <a:srgbClr val="FF0000"/>
+            </a:solidFill>
+          </a:ln>
+        </p:spPr>
+        <p:style>
+          <a:lnRef idx="2">
+            <a:schemeClr val="accent1">
+              <a:shade val="50000"/>
+            </a:schemeClr>
+          </a:lnRef>
+          <a:fillRef idx="1">
+            <a:schemeClr val="accent1"/>
+          </a:fillRef>
+          <a:effectRef idx="0">
+            <a:schemeClr val="accent1"/>
+          </a:effectRef>
+          <a:fontRef idx="minor">
+            <a:schemeClr val="lt1"/>
+          </a:fontRef>
+        </p:style>
+        <p:txBody>
+          <a:bodyPr rtlCol="0" anchor="ctr"/>
+          <a:lstStyle/>
+          <a:p>
+            <a:pPr algn="ctr"/>
+            <a:endParaRPr kumimoji="1" lang="ja-JP" altLang="en-US"/>
+          </a:p>
+        </p:txBody>
+      </p:sp>
+      <p:sp>
+        <p:nvSpPr>
+          <p:cNvPr id="10" name="円/楕円 9">
+            <a:extLst>
+              <a:ext uri="{FF2B5EF4-FFF2-40B4-BE49-F238E27FC236}">
+                <a16:creationId xmlns:a16="http://schemas.microsoft.com/office/drawing/2014/main" id="{B4BAC244-71A0-8B42-AC1A-8D3F4EFAC489}"/>
+              </a:ext>
+            </a:extLst>
+          </p:cNvPr>
+          <p:cNvSpPr/>
+          <p:nvPr/>
+        </p:nvSpPr>
+        <p:spPr>
+          <a:xfrm>
+            <a:off x="4291267" y="4000128"/>
+            <a:ext cx="2343828" cy="434795"/>
+          </a:xfrm>
+          <a:prstGeom prst="ellipse">
+            <a:avLst/>
+          </a:prstGeom>
+          <a:noFill/>
+          <a:ln w="38100">
+            <a:solidFill>
+              <a:srgbClr val="FF0000"/>
+            </a:solidFill>
+          </a:ln>
+        </p:spPr>
+        <p:style>
+          <a:lnRef idx="2">
+            <a:schemeClr val="accent1">
+              <a:shade val="50000"/>
+            </a:schemeClr>
+          </a:lnRef>
+          <a:fillRef idx="1">
+            <a:schemeClr val="accent1"/>
+          </a:fillRef>
+          <a:effectRef idx="0">
+            <a:schemeClr val="accent1"/>
+          </a:effectRef>
+          <a:fontRef idx="minor">
+            <a:schemeClr val="lt1"/>
+          </a:fontRef>
+        </p:style>
+        <p:txBody>
+          <a:bodyPr rtlCol="0" anchor="ctr"/>
+          <a:lstStyle/>
+          <a:p>
+            <a:pPr algn="ctr"/>
+            <a:endParaRPr kumimoji="1" lang="ja-JP" altLang="en-US"/>
+          </a:p>
+        </p:txBody>
+      </p:sp>
+      <p:pic>
+        <p:nvPicPr>
+          <p:cNvPr id="11" name="図 10">
+            <a:extLst>
+              <a:ext uri="{FF2B5EF4-FFF2-40B4-BE49-F238E27FC236}">
+                <a16:creationId xmlns:a16="http://schemas.microsoft.com/office/drawing/2014/main" id="{A762B80F-033A-924F-9CD8-80B1CB3D334F}"/>
+              </a:ext>
+            </a:extLst>
+          </p:cNvPr>
+          <p:cNvPicPr>
+            <a:picLocks noChangeAspect="1"/>
+          </p:cNvPicPr>
+          <p:nvPr/>
+        </p:nvPicPr>
+        <p:blipFill>
+          <a:blip r:embed="rId5"/>
+          <a:stretch>
+            <a:fillRect/>
+          </a:stretch>
+        </p:blipFill>
+        <p:spPr>
+          <a:xfrm>
+            <a:off x="8620047" y="2100355"/>
+            <a:ext cx="3730393" cy="3871161"/>
+          </a:xfrm>
+          <a:prstGeom prst="rect">
+            <a:avLst/>
+          </a:prstGeom>
+          <a:ln>
+            <a:noFill/>
+          </a:ln>
+          <a:effectLst>
+            <a:outerShdw blurRad="292100" dist="139700" dir="2700000" algn="tl" rotWithShape="0">
+              <a:srgbClr val="333333">
+                <a:alpha val="65000"/>
+              </a:srgbClr>
+            </a:outerShdw>
+          </a:effectLst>
+        </p:spPr>
+      </p:pic>
+      <p:sp>
+        <p:nvSpPr>
+          <p:cNvPr id="12" name="円/楕円 11">
+            <a:extLst>
+              <a:ext uri="{FF2B5EF4-FFF2-40B4-BE49-F238E27FC236}">
+                <a16:creationId xmlns:a16="http://schemas.microsoft.com/office/drawing/2014/main" id="{D7E1672E-6FFF-AA4C-A868-91F3C83C2FAC}"/>
+              </a:ext>
+            </a:extLst>
+          </p:cNvPr>
+          <p:cNvSpPr/>
+          <p:nvPr/>
+        </p:nvSpPr>
+        <p:spPr>
+          <a:xfrm>
+            <a:off x="8601729" y="3304579"/>
+            <a:ext cx="1568125" cy="434795"/>
+          </a:xfrm>
+          <a:prstGeom prst="ellipse">
+            <a:avLst/>
+          </a:prstGeom>
+          <a:noFill/>
+          <a:ln w="38100">
+            <a:solidFill>
+              <a:srgbClr val="FF0000"/>
+            </a:solidFill>
+          </a:ln>
+        </p:spPr>
+        <p:style>
+          <a:lnRef idx="2">
+            <a:schemeClr val="accent1">
+              <a:shade val="50000"/>
+            </a:schemeClr>
+          </a:lnRef>
+          <a:fillRef idx="1">
+            <a:schemeClr val="accent1"/>
+          </a:fillRef>
+          <a:effectRef idx="0">
+            <a:schemeClr val="accent1"/>
+          </a:effectRef>
+          <a:fontRef idx="minor">
+            <a:schemeClr val="lt1"/>
+          </a:fontRef>
+        </p:style>
+        <p:txBody>
+          <a:bodyPr rtlCol="0" anchor="ctr"/>
+          <a:lstStyle/>
+          <a:p>
+            <a:pPr algn="ctr"/>
+            <a:endParaRPr kumimoji="1" lang="ja-JP" altLang="en-US"/>
+          </a:p>
+        </p:txBody>
+      </p:sp>
+      <p:sp>
+        <p:nvSpPr>
+          <p:cNvPr id="13" name="円/楕円 12">
+            <a:extLst>
+              <a:ext uri="{FF2B5EF4-FFF2-40B4-BE49-F238E27FC236}">
+                <a16:creationId xmlns:a16="http://schemas.microsoft.com/office/drawing/2014/main" id="{2F3E43B3-41D9-3044-941A-44AB15BBFADD}"/>
+              </a:ext>
+            </a:extLst>
+          </p:cNvPr>
+          <p:cNvSpPr/>
+          <p:nvPr/>
+        </p:nvSpPr>
+        <p:spPr>
+          <a:xfrm>
+            <a:off x="8601728" y="4726200"/>
+            <a:ext cx="1568125" cy="434795"/>
+          </a:xfrm>
+          <a:prstGeom prst="ellipse">
+            <a:avLst/>
+          </a:prstGeom>
+          <a:noFill/>
+          <a:ln w="38100">
+            <a:solidFill>
+              <a:srgbClr val="FF0000"/>
+            </a:solidFill>
+          </a:ln>
+        </p:spPr>
+        <p:style>
+          <a:lnRef idx="2">
+            <a:schemeClr val="accent1">
+              <a:shade val="50000"/>
+            </a:schemeClr>
+          </a:lnRef>
+          <a:fillRef idx="1">
+            <a:schemeClr val="accent1"/>
+          </a:fillRef>
+          <a:effectRef idx="0">
+            <a:schemeClr val="accent1"/>
+          </a:effectRef>
+          <a:fontRef idx="minor">
+            <a:schemeClr val="lt1"/>
+          </a:fontRef>
+        </p:style>
+        <p:txBody>
+          <a:bodyPr rtlCol="0" anchor="ctr"/>
+          <a:lstStyle/>
+          <a:p>
+            <a:pPr algn="ctr"/>
+            <a:endParaRPr kumimoji="1" lang="ja-JP" altLang="en-US"/>
+          </a:p>
+        </p:txBody>
+      </p:sp>
+      <p:cxnSp>
+        <p:nvCxnSpPr>
+          <p:cNvPr id="14" name="直線矢印コネクタ 13">
+            <a:extLst>
+              <a:ext uri="{FF2B5EF4-FFF2-40B4-BE49-F238E27FC236}">
+                <a16:creationId xmlns:a16="http://schemas.microsoft.com/office/drawing/2014/main" id="{93163C56-3E88-EB4F-AC31-35DEFE1B44DE}"/>
+              </a:ext>
+            </a:extLst>
+          </p:cNvPr>
+          <p:cNvCxnSpPr>
+            <a:cxnSpLocks/>
+          </p:cNvCxnSpPr>
+          <p:nvPr/>
+        </p:nvCxnSpPr>
+        <p:spPr>
+          <a:xfrm>
+            <a:off x="3852679" y="2359850"/>
+            <a:ext cx="711936" cy="0"/>
+          </a:xfrm>
+          <a:prstGeom prst="straightConnector1">
+            <a:avLst/>
+          </a:prstGeom>
+          <a:noFill/>
+          <a:ln w="38100">
+            <a:solidFill>
+              <a:srgbClr val="FF0000"/>
+            </a:solidFill>
+            <a:headEnd type="none" w="med" len="med"/>
+            <a:tailEnd type="arrow" w="med" len="med"/>
+          </a:ln>
+        </p:spPr>
+        <p:style>
+          <a:lnRef idx="2">
+            <a:schemeClr val="accent1">
+              <a:shade val="50000"/>
+            </a:schemeClr>
+          </a:lnRef>
+          <a:fillRef idx="1">
+            <a:schemeClr val="accent1"/>
+          </a:fillRef>
+          <a:effectRef idx="0">
+            <a:schemeClr val="accent1"/>
+          </a:effectRef>
+          <a:fontRef idx="minor">
+            <a:schemeClr val="lt1"/>
+          </a:fontRef>
+        </p:style>
+      </p:cxnSp>
+      <p:cxnSp>
+        <p:nvCxnSpPr>
+          <p:cNvPr id="17" name="直線矢印コネクタ 16">
+            <a:extLst>
+              <a:ext uri="{FF2B5EF4-FFF2-40B4-BE49-F238E27FC236}">
+                <a16:creationId xmlns:a16="http://schemas.microsoft.com/office/drawing/2014/main" id="{9A42D627-8894-554E-A469-4DD15ADF9CCF}"/>
+              </a:ext>
+            </a:extLst>
+          </p:cNvPr>
+          <p:cNvCxnSpPr>
+            <a:cxnSpLocks/>
+          </p:cNvCxnSpPr>
+          <p:nvPr/>
+        </p:nvCxnSpPr>
+        <p:spPr>
+          <a:xfrm flipV="1">
+            <a:off x="5840387" y="2764429"/>
+            <a:ext cx="2995449" cy="2238704"/>
+          </a:xfrm>
+          <a:prstGeom prst="straightConnector1">
+            <a:avLst/>
+          </a:prstGeom>
+          <a:noFill/>
+          <a:ln w="38100">
+            <a:solidFill>
+              <a:srgbClr val="FF0000"/>
+            </a:solidFill>
+            <a:headEnd type="none" w="med" len="med"/>
+            <a:tailEnd type="arrow" w="med" len="med"/>
+          </a:ln>
+        </p:spPr>
+        <p:style>
+          <a:lnRef idx="2">
+            <a:schemeClr val="accent1">
+              <a:shade val="50000"/>
+            </a:schemeClr>
+          </a:lnRef>
+          <a:fillRef idx="1">
+            <a:schemeClr val="accent1"/>
+          </a:fillRef>
+          <a:effectRef idx="0">
+            <a:schemeClr val="accent1"/>
+          </a:effectRef>
+          <a:fontRef idx="minor">
+            <a:schemeClr val="lt1"/>
+          </a:fontRef>
+        </p:style>
+      </p:cxnSp>
+    </p:spTree>
+    <p:extLst>
+      <p:ext uri="{BB962C8B-B14F-4D97-AF65-F5344CB8AC3E}">
+        <p14:creationId xmlns:p14="http://schemas.microsoft.com/office/powerpoint/2010/main" val="1330407232"/>
+      </p:ext>
+    </p:extLst>
+  </p:cSld>
+  <p:clrMapOvr>
+    <a:masterClrMapping/>
+  </p:clrMapOvr>
+</p:sld>
+</file>
+
+<file path=ppt/slides/slide7.xml><?xml version="1.0" encoding="utf-8"?>
+<p:sld xmlns:a="http://schemas.openxmlformats.org/drawingml/2006/main" xmlns:r="http://schemas.openxmlformats.org/officeDocument/2006/relationships" xmlns:p="http://schemas.openxmlformats.org/presentationml/2006/main">
+  <p:cSld>
+    <p:spTree>
+      <p:nvGrpSpPr>
+        <p:cNvPr id="1" name=""/>
+        <p:cNvGrpSpPr/>
+        <p:nvPr/>
+      </p:nvGrpSpPr>
+      <p:grpSpPr>
+        <a:xfrm>
+          <a:off x="0" y="0"/>
+          <a:ext cx="0" cy="0"/>
+          <a:chOff x="0" y="0"/>
+          <a:chExt cx="0" cy="0"/>
+        </a:xfrm>
+      </p:grpSpPr>
+      <p:pic>
+        <p:nvPicPr>
+          <p:cNvPr id="7" name="図 6">
+            <a:extLst>
+              <a:ext uri="{FF2B5EF4-FFF2-40B4-BE49-F238E27FC236}">
+                <a16:creationId xmlns:a16="http://schemas.microsoft.com/office/drawing/2014/main" id="{D9EC8E1D-56C2-AF47-A594-BAF4439EBB89}"/>
               </a:ext>
             </a:extLst>
           </p:cNvPr>
@@ -4901,18 +6254,306 @@
         </p:blipFill>
         <p:spPr>
           <a:xfrm>
-            <a:off x="1936750" y="1524000"/>
-            <a:ext cx="8318500" cy="3810000"/>
+            <a:off x="1060450" y="1631950"/>
+            <a:ext cx="10071100" cy="3594100"/>
           </a:xfrm>
           <a:prstGeom prst="rect">
             <a:avLst/>
           </a:prstGeom>
+          <a:ln>
+            <a:noFill/>
+          </a:ln>
+          <a:effectLst>
+            <a:outerShdw blurRad="292100" dist="139700" dir="2700000" algn="tl" rotWithShape="0">
+              <a:srgbClr val="333333">
+                <a:alpha val="65000"/>
+              </a:srgbClr>
+            </a:outerShdw>
+          </a:effectLst>
         </p:spPr>
       </p:pic>
+      <p:sp>
+        <p:nvSpPr>
+          <p:cNvPr id="8" name="円/楕円 7">
+            <a:extLst>
+              <a:ext uri="{FF2B5EF4-FFF2-40B4-BE49-F238E27FC236}">
+                <a16:creationId xmlns:a16="http://schemas.microsoft.com/office/drawing/2014/main" id="{F3FD09A9-ABC4-114A-83D1-9CF3B6C529FA}"/>
+              </a:ext>
+            </a:extLst>
+          </p:cNvPr>
+          <p:cNvSpPr/>
+          <p:nvPr/>
+        </p:nvSpPr>
+        <p:spPr>
+          <a:xfrm>
+            <a:off x="1041489" y="3634189"/>
+            <a:ext cx="973682" cy="434795"/>
+          </a:xfrm>
+          <a:prstGeom prst="ellipse">
+            <a:avLst/>
+          </a:prstGeom>
+          <a:noFill/>
+          <a:ln w="38100">
+            <a:solidFill>
+              <a:srgbClr val="FF0000"/>
+            </a:solidFill>
+          </a:ln>
+        </p:spPr>
+        <p:style>
+          <a:lnRef idx="2">
+            <a:schemeClr val="accent1">
+              <a:shade val="50000"/>
+            </a:schemeClr>
+          </a:lnRef>
+          <a:fillRef idx="1">
+            <a:schemeClr val="accent1"/>
+          </a:fillRef>
+          <a:effectRef idx="0">
+            <a:schemeClr val="accent1"/>
+          </a:effectRef>
+          <a:fontRef idx="minor">
+            <a:schemeClr val="lt1"/>
+          </a:fontRef>
+        </p:style>
+        <p:txBody>
+          <a:bodyPr rtlCol="0" anchor="ctr"/>
+          <a:lstStyle/>
+          <a:p>
+            <a:pPr algn="ctr"/>
+            <a:endParaRPr kumimoji="1" lang="ja-JP" altLang="en-US"/>
+          </a:p>
+        </p:txBody>
+      </p:sp>
+      <p:sp>
+        <p:nvSpPr>
+          <p:cNvPr id="9" name="円/楕円 8">
+            <a:extLst>
+              <a:ext uri="{FF2B5EF4-FFF2-40B4-BE49-F238E27FC236}">
+                <a16:creationId xmlns:a16="http://schemas.microsoft.com/office/drawing/2014/main" id="{17BB9E59-5771-5B43-B60A-8BEC6CFAFAAE}"/>
+              </a:ext>
+            </a:extLst>
+          </p:cNvPr>
+          <p:cNvSpPr/>
+          <p:nvPr/>
+        </p:nvSpPr>
+        <p:spPr>
+          <a:xfrm>
+            <a:off x="2766885" y="4231654"/>
+            <a:ext cx="1688777" cy="395268"/>
+          </a:xfrm>
+          <a:prstGeom prst="ellipse">
+            <a:avLst/>
+          </a:prstGeom>
+          <a:noFill/>
+          <a:ln w="38100">
+            <a:solidFill>
+              <a:srgbClr val="FF0000"/>
+            </a:solidFill>
+          </a:ln>
+        </p:spPr>
+        <p:style>
+          <a:lnRef idx="2">
+            <a:schemeClr val="accent1">
+              <a:shade val="50000"/>
+            </a:schemeClr>
+          </a:lnRef>
+          <a:fillRef idx="1">
+            <a:schemeClr val="accent1"/>
+          </a:fillRef>
+          <a:effectRef idx="0">
+            <a:schemeClr val="accent1"/>
+          </a:effectRef>
+          <a:fontRef idx="minor">
+            <a:schemeClr val="lt1"/>
+          </a:fontRef>
+        </p:style>
+        <p:txBody>
+          <a:bodyPr rtlCol="0" anchor="ctr"/>
+          <a:lstStyle/>
+          <a:p>
+            <a:pPr algn="ctr"/>
+            <a:endParaRPr kumimoji="1" lang="ja-JP" altLang="en-US"/>
+          </a:p>
+        </p:txBody>
+      </p:sp>
+      <p:sp>
+        <p:nvSpPr>
+          <p:cNvPr id="10" name="円/楕円 9">
+            <a:extLst>
+              <a:ext uri="{FF2B5EF4-FFF2-40B4-BE49-F238E27FC236}">
+                <a16:creationId xmlns:a16="http://schemas.microsoft.com/office/drawing/2014/main" id="{BEC94511-4F25-9341-8703-08449B6E4805}"/>
+              </a:ext>
+            </a:extLst>
+          </p:cNvPr>
+          <p:cNvSpPr/>
+          <p:nvPr/>
+        </p:nvSpPr>
+        <p:spPr>
+          <a:xfrm>
+            <a:off x="7640141" y="1949198"/>
+            <a:ext cx="2684073" cy="985388"/>
+          </a:xfrm>
+          <a:prstGeom prst="ellipse">
+            <a:avLst/>
+          </a:prstGeom>
+          <a:noFill/>
+          <a:ln w="38100">
+            <a:solidFill>
+              <a:srgbClr val="FF0000"/>
+            </a:solidFill>
+          </a:ln>
+        </p:spPr>
+        <p:style>
+          <a:lnRef idx="2">
+            <a:schemeClr val="accent1">
+              <a:shade val="50000"/>
+            </a:schemeClr>
+          </a:lnRef>
+          <a:fillRef idx="1">
+            <a:schemeClr val="accent1"/>
+          </a:fillRef>
+          <a:effectRef idx="0">
+            <a:schemeClr val="accent1"/>
+          </a:effectRef>
+          <a:fontRef idx="minor">
+            <a:schemeClr val="lt1"/>
+          </a:fontRef>
+        </p:style>
+        <p:txBody>
+          <a:bodyPr rtlCol="0" anchor="ctr"/>
+          <a:lstStyle/>
+          <a:p>
+            <a:pPr algn="ctr"/>
+            <a:endParaRPr kumimoji="1" lang="ja-JP" altLang="en-US"/>
+          </a:p>
+        </p:txBody>
+      </p:sp>
     </p:spTree>
     <p:extLst>
       <p:ext uri="{BB962C8B-B14F-4D97-AF65-F5344CB8AC3E}">
-        <p14:creationId xmlns:p14="http://schemas.microsoft.com/office/powerpoint/2010/main" val="1330407232"/>
+        <p14:creationId xmlns:p14="http://schemas.microsoft.com/office/powerpoint/2010/main" val="4143583601"/>
+      </p:ext>
+    </p:extLst>
+  </p:cSld>
+  <p:clrMapOvr>
+    <a:masterClrMapping/>
+  </p:clrMapOvr>
+</p:sld>
+</file>
+
+<file path=ppt/slides/slide8.xml><?xml version="1.0" encoding="utf-8"?>
+<p:sld xmlns:a="http://schemas.openxmlformats.org/drawingml/2006/main" xmlns:r="http://schemas.openxmlformats.org/officeDocument/2006/relationships" xmlns:p="http://schemas.openxmlformats.org/presentationml/2006/main">
+  <p:cSld>
+    <p:spTree>
+      <p:nvGrpSpPr>
+        <p:cNvPr id="1" name=""/>
+        <p:cNvGrpSpPr/>
+        <p:nvPr/>
+      </p:nvGrpSpPr>
+      <p:grpSpPr>
+        <a:xfrm>
+          <a:off x="0" y="0"/>
+          <a:ext cx="0" cy="0"/>
+          <a:chOff x="0" y="0"/>
+          <a:chExt cx="0" cy="0"/>
+        </a:xfrm>
+      </p:grpSpPr>
+      <p:pic>
+        <p:nvPicPr>
+          <p:cNvPr id="2" name="図 1">
+            <a:extLst>
+              <a:ext uri="{FF2B5EF4-FFF2-40B4-BE49-F238E27FC236}">
+                <a16:creationId xmlns:a16="http://schemas.microsoft.com/office/drawing/2014/main" id="{0A3002A7-4CBA-004E-AD17-8795EE781AD9}"/>
+              </a:ext>
+            </a:extLst>
+          </p:cNvPr>
+          <p:cNvPicPr>
+            <a:picLocks noChangeAspect="1"/>
+          </p:cNvPicPr>
+          <p:nvPr/>
+        </p:nvPicPr>
+        <p:blipFill>
+          <a:blip r:embed="rId2"/>
+          <a:stretch>
+            <a:fillRect/>
+          </a:stretch>
+        </p:blipFill>
+        <p:spPr>
+          <a:xfrm>
+            <a:off x="2705149" y="2217469"/>
+            <a:ext cx="6781703" cy="2423062"/>
+          </a:xfrm>
+          <a:prstGeom prst="rect">
+            <a:avLst/>
+          </a:prstGeom>
+          <a:ln>
+            <a:noFill/>
+          </a:ln>
+          <a:effectLst>
+            <a:outerShdw blurRad="292100" dist="139700" dir="2700000" algn="tl" rotWithShape="0">
+              <a:srgbClr val="333333">
+                <a:alpha val="65000"/>
+              </a:srgbClr>
+            </a:outerShdw>
+          </a:effectLst>
+        </p:spPr>
+      </p:pic>
+      <p:sp>
+        <p:nvSpPr>
+          <p:cNvPr id="3" name="円/楕円 2">
+            <a:extLst>
+              <a:ext uri="{FF2B5EF4-FFF2-40B4-BE49-F238E27FC236}">
+                <a16:creationId xmlns:a16="http://schemas.microsoft.com/office/drawing/2014/main" id="{DFB7E225-2069-564F-8BC6-A7D7BBACF1DC}"/>
+              </a:ext>
+            </a:extLst>
+          </p:cNvPr>
+          <p:cNvSpPr/>
+          <p:nvPr/>
+        </p:nvSpPr>
+        <p:spPr>
+          <a:xfrm>
+            <a:off x="8224952" y="3186804"/>
+            <a:ext cx="855228" cy="505659"/>
+          </a:xfrm>
+          <a:prstGeom prst="ellipse">
+            <a:avLst/>
+          </a:prstGeom>
+          <a:noFill/>
+          <a:ln w="38100">
+            <a:solidFill>
+              <a:srgbClr val="FF0000"/>
+            </a:solidFill>
+          </a:ln>
+        </p:spPr>
+        <p:style>
+          <a:lnRef idx="2">
+            <a:schemeClr val="accent1">
+              <a:shade val="50000"/>
+            </a:schemeClr>
+          </a:lnRef>
+          <a:fillRef idx="1">
+            <a:schemeClr val="accent1"/>
+          </a:fillRef>
+          <a:effectRef idx="0">
+            <a:schemeClr val="accent1"/>
+          </a:effectRef>
+          <a:fontRef idx="minor">
+            <a:schemeClr val="lt1"/>
+          </a:fontRef>
+        </p:style>
+        <p:txBody>
+          <a:bodyPr rtlCol="0" anchor="ctr"/>
+          <a:lstStyle/>
+          <a:p>
+            <a:pPr algn="ctr"/>
+            <a:endParaRPr kumimoji="1" lang="ja-JP" altLang="en-US"/>
+          </a:p>
+        </p:txBody>
+      </p:sp>
+    </p:spTree>
+    <p:extLst>
+      <p:ext uri="{BB962C8B-B14F-4D97-AF65-F5344CB8AC3E}">
+        <p14:creationId xmlns:p14="http://schemas.microsoft.com/office/powerpoint/2010/main" val="2909384585"/>
       </p:ext>
     </p:extLst>
   </p:cSld>
@@ -5215,4 +6856,299 @@
     </a:ext>
   </a:extLst>
 </a:theme>
+</file>
+
+<file path=ppt/theme/theme2.xml><?xml version="1.0" encoding="utf-8"?>
+<a:theme xmlns:a="http://schemas.openxmlformats.org/drawingml/2006/main" name="Office テーマ">
+  <a:themeElements>
+    <a:clrScheme name="Office">
+      <a:dk1>
+        <a:sysClr val="windowText" lastClr="000000"/>
+      </a:dk1>
+      <a:lt1>
+        <a:sysClr val="window" lastClr="FFFFFF"/>
+      </a:lt1>
+      <a:dk2>
+        <a:srgbClr val="44546A"/>
+      </a:dk2>
+      <a:lt2>
+        <a:srgbClr val="E7E6E6"/>
+      </a:lt2>
+      <a:accent1>
+        <a:srgbClr val="4472C4"/>
+      </a:accent1>
+      <a:accent2>
+        <a:srgbClr val="ED7D31"/>
+      </a:accent2>
+      <a:accent3>
+        <a:srgbClr val="A5A5A5"/>
+      </a:accent3>
+      <a:accent4>
+        <a:srgbClr val="FFC000"/>
+      </a:accent4>
+      <a:accent5>
+        <a:srgbClr val="5B9BD5"/>
+      </a:accent5>
+      <a:accent6>
+        <a:srgbClr val="70AD47"/>
+      </a:accent6>
+      <a:hlink>
+        <a:srgbClr val="0563C1"/>
+      </a:hlink>
+      <a:folHlink>
+        <a:srgbClr val="954F72"/>
+      </a:folHlink>
+    </a:clrScheme>
+    <a:fontScheme name="Office">
+      <a:majorFont>
+        <a:latin typeface="游ゴシック Light" panose="020F0302020204030204"/>
+        <a:ea typeface=""/>
+        <a:cs typeface=""/>
+        <a:font script="Jpan" typeface="游ゴシック Light"/>
+        <a:font script="Hang" typeface="맑은 고딕"/>
+        <a:font script="Hans" typeface="等线 Light"/>
+        <a:font script="Hant" typeface="新細明體"/>
+        <a:font script="Arab" typeface="Times New Roman"/>
+        <a:font script="Hebr" typeface="Times New Roman"/>
+        <a:font script="Thai" typeface="Angsana New"/>
+        <a:font script="Ethi" typeface="Nyala"/>
+        <a:font script="Beng" typeface="Vrinda"/>
+        <a:font script="Gujr" typeface="Shruti"/>
+        <a:font script="Khmr" typeface="MoolBoran"/>
+        <a:font script="Knda" typeface="Tunga"/>
+        <a:font script="Guru" typeface="Raavi"/>
+        <a:font script="Cans" typeface="Euphemia"/>
+        <a:font script="Cher" typeface="Plantagenet Cherokee"/>
+        <a:font script="Yiii" typeface="Microsoft Yi Baiti"/>
+        <a:font script="Tibt" typeface="Microsoft Himalaya"/>
+        <a:font script="Thaa" typeface="MV Boli"/>
+        <a:font script="Deva" typeface="Mangal"/>
+        <a:font script="Telu" typeface="Gautami"/>
+        <a:font script="Taml" typeface="Latha"/>
+        <a:font script="Syrc" typeface="Estrangelo Edessa"/>
+        <a:font script="Orya" typeface="Kalinga"/>
+        <a:font script="Mlym" typeface="Kartika"/>
+        <a:font script="Laoo" typeface="DokChampa"/>
+        <a:font script="Sinh" typeface="Iskoola Pota"/>
+        <a:font script="Mong" typeface="Mongolian Baiti"/>
+        <a:font script="Viet" typeface="Times New Roman"/>
+        <a:font script="Uigh" typeface="Microsoft Uighur"/>
+        <a:font script="Geor" typeface="Sylfaen"/>
+        <a:font script="Armn" typeface="Arial"/>
+        <a:font script="Bugi" typeface="Leelawadee UI"/>
+        <a:font script="Bopo" typeface="Microsoft JhengHei"/>
+        <a:font script="Java" typeface="Javanese Text"/>
+        <a:font script="Lisu" typeface="Segoe UI"/>
+        <a:font script="Mymr" typeface="Myanmar Text"/>
+        <a:font script="Nkoo" typeface="Ebrima"/>
+        <a:font script="Olck" typeface="Nirmala UI"/>
+        <a:font script="Osma" typeface="Ebrima"/>
+        <a:font script="Phag" typeface="Phagspa"/>
+        <a:font script="Syrn" typeface="Estrangelo Edessa"/>
+        <a:font script="Syrj" typeface="Estrangelo Edessa"/>
+        <a:font script="Syre" typeface="Estrangelo Edessa"/>
+        <a:font script="Sora" typeface="Nirmala UI"/>
+        <a:font script="Tale" typeface="Microsoft Tai Le"/>
+        <a:font script="Talu" typeface="Microsoft New Tai Lue"/>
+        <a:font script="Tfng" typeface="Ebrima"/>
+      </a:majorFont>
+      <a:minorFont>
+        <a:latin typeface="游ゴシック" panose="020F0502020204030204"/>
+        <a:ea typeface=""/>
+        <a:cs typeface=""/>
+        <a:font script="Jpan" typeface="游ゴシック"/>
+        <a:font script="Hang" typeface="맑은 고딕"/>
+        <a:font script="Hans" typeface="等线"/>
+        <a:font script="Hant" typeface="新細明體"/>
+        <a:font script="Arab" typeface="Arial"/>
+        <a:font script="Hebr" typeface="Arial"/>
+        <a:font script="Thai" typeface="Cordia New"/>
+        <a:font script="Ethi" typeface="Nyala"/>
+        <a:font script="Beng" typeface="Vrinda"/>
+        <a:font script="Gujr" typeface="Shruti"/>
+        <a:font script="Khmr" typeface="DaunPenh"/>
+        <a:font script="Knda" typeface="Tunga"/>
+        <a:font script="Guru" typeface="Raavi"/>
+        <a:font script="Cans" typeface="Euphemia"/>
+        <a:font script="Cher" typeface="Plantagenet Cherokee"/>
+        <a:font script="Yiii" typeface="Microsoft Yi Baiti"/>
+        <a:font script="Tibt" typeface="Microsoft Himalaya"/>
+        <a:font script="Thaa" typeface="MV Boli"/>
+        <a:font script="Deva" typeface="Mangal"/>
+        <a:font script="Telu" typeface="Gautami"/>
+        <a:font script="Taml" typeface="Latha"/>
+        <a:font script="Syrc" typeface="Estrangelo Edessa"/>
+        <a:font script="Orya" typeface="Kalinga"/>
+        <a:font script="Mlym" typeface="Kartika"/>
+        <a:font script="Laoo" typeface="DokChampa"/>
+        <a:font script="Sinh" typeface="Iskoola Pota"/>
+        <a:font script="Mong" typeface="Mongolian Baiti"/>
+        <a:font script="Viet" typeface="Arial"/>
+        <a:font script="Uigh" typeface="Microsoft Uighur"/>
+        <a:font script="Geor" typeface="Sylfaen"/>
+        <a:font script="Armn" typeface="Arial"/>
+        <a:font script="Bugi" typeface="Leelawadee UI"/>
+        <a:font script="Bopo" typeface="Microsoft JhengHei"/>
+        <a:font script="Java" typeface="Javanese Text"/>
+        <a:font script="Lisu" typeface="Segoe UI"/>
+        <a:font script="Mymr" typeface="Myanmar Text"/>
+        <a:font script="Nkoo" typeface="Ebrima"/>
+        <a:font script="Olck" typeface="Nirmala UI"/>
+        <a:font script="Osma" typeface="Ebrima"/>
+        <a:font script="Phag" typeface="Phagspa"/>
+        <a:font script="Syrn" typeface="Estrangelo Edessa"/>
+        <a:font script="Syrj" typeface="Estrangelo Edessa"/>
+        <a:font script="Syre" typeface="Estrangelo Edessa"/>
+        <a:font script="Sora" typeface="Nirmala UI"/>
+        <a:font script="Tale" typeface="Microsoft Tai Le"/>
+        <a:font script="Talu" typeface="Microsoft New Tai Lue"/>
+        <a:font script="Tfng" typeface="Ebrima"/>
+      </a:minorFont>
+    </a:fontScheme>
+    <a:fmtScheme name="Office">
+      <a:fillStyleLst>
+        <a:solidFill>
+          <a:schemeClr val="phClr"/>
+        </a:solidFill>
+        <a:gradFill rotWithShape="1">
+          <a:gsLst>
+            <a:gs pos="0">
+              <a:schemeClr val="phClr">
+                <a:lumMod val="110000"/>
+                <a:satMod val="105000"/>
+                <a:tint val="67000"/>
+              </a:schemeClr>
+            </a:gs>
+            <a:gs pos="50000">
+              <a:schemeClr val="phClr">
+                <a:lumMod val="105000"/>
+                <a:satMod val="103000"/>
+                <a:tint val="73000"/>
+              </a:schemeClr>
+            </a:gs>
+            <a:gs pos="100000">
+              <a:schemeClr val="phClr">
+                <a:lumMod val="105000"/>
+                <a:satMod val="109000"/>
+                <a:tint val="81000"/>
+              </a:schemeClr>
+            </a:gs>
+          </a:gsLst>
+          <a:lin ang="5400000" scaled="0"/>
+        </a:gradFill>
+        <a:gradFill rotWithShape="1">
+          <a:gsLst>
+            <a:gs pos="0">
+              <a:schemeClr val="phClr">
+                <a:satMod val="103000"/>
+                <a:lumMod val="102000"/>
+                <a:tint val="94000"/>
+              </a:schemeClr>
+            </a:gs>
+            <a:gs pos="50000">
+              <a:schemeClr val="phClr">
+                <a:satMod val="110000"/>
+                <a:lumMod val="100000"/>
+                <a:shade val="100000"/>
+              </a:schemeClr>
+            </a:gs>
+            <a:gs pos="100000">
+              <a:schemeClr val="phClr">
+                <a:lumMod val="99000"/>
+                <a:satMod val="120000"/>
+                <a:shade val="78000"/>
+              </a:schemeClr>
+            </a:gs>
+          </a:gsLst>
+          <a:lin ang="5400000" scaled="0"/>
+        </a:gradFill>
+      </a:fillStyleLst>
+      <a:lnStyleLst>
+        <a:ln w="6350" cap="flat" cmpd="sng" algn="ctr">
+          <a:solidFill>
+            <a:schemeClr val="phClr"/>
+          </a:solidFill>
+          <a:prstDash val="solid"/>
+          <a:miter lim="800000"/>
+        </a:ln>
+        <a:ln w="12700" cap="flat" cmpd="sng" algn="ctr">
+          <a:solidFill>
+            <a:schemeClr val="phClr"/>
+          </a:solidFill>
+          <a:prstDash val="solid"/>
+          <a:miter lim="800000"/>
+        </a:ln>
+        <a:ln w="19050" cap="flat" cmpd="sng" algn="ctr">
+          <a:solidFill>
+            <a:schemeClr val="phClr"/>
+          </a:solidFill>
+          <a:prstDash val="solid"/>
+          <a:miter lim="800000"/>
+        </a:ln>
+      </a:lnStyleLst>
+      <a:effectStyleLst>
+        <a:effectStyle>
+          <a:effectLst/>
+        </a:effectStyle>
+        <a:effectStyle>
+          <a:effectLst/>
+        </a:effectStyle>
+        <a:effectStyle>
+          <a:effectLst>
+            <a:outerShdw blurRad="57150" dist="19050" dir="5400000" algn="ctr" rotWithShape="0">
+              <a:srgbClr val="000000">
+                <a:alpha val="63000"/>
+              </a:srgbClr>
+            </a:outerShdw>
+          </a:effectLst>
+        </a:effectStyle>
+      </a:effectStyleLst>
+      <a:bgFillStyleLst>
+        <a:solidFill>
+          <a:schemeClr val="phClr"/>
+        </a:solidFill>
+        <a:solidFill>
+          <a:schemeClr val="phClr">
+            <a:tint val="95000"/>
+            <a:satMod val="170000"/>
+          </a:schemeClr>
+        </a:solidFill>
+        <a:gradFill rotWithShape="1">
+          <a:gsLst>
+            <a:gs pos="0">
+              <a:schemeClr val="phClr">
+                <a:tint val="93000"/>
+                <a:satMod val="150000"/>
+                <a:shade val="98000"/>
+                <a:lumMod val="102000"/>
+              </a:schemeClr>
+            </a:gs>
+            <a:gs pos="50000">
+              <a:schemeClr val="phClr">
+                <a:tint val="98000"/>
+                <a:satMod val="130000"/>
+                <a:shade val="90000"/>
+                <a:lumMod val="103000"/>
+              </a:schemeClr>
+            </a:gs>
+            <a:gs pos="100000">
+              <a:schemeClr val="phClr">
+                <a:shade val="63000"/>
+                <a:satMod val="120000"/>
+              </a:schemeClr>
+            </a:gs>
+          </a:gsLst>
+          <a:lin ang="5400000" scaled="0"/>
+        </a:gradFill>
+      </a:bgFillStyleLst>
+    </a:fmtScheme>
+  </a:themeElements>
+  <a:objectDefaults/>
+  <a:extraClrSchemeLst/>
+  <a:extLst>
+    <a:ext uri="{05A4C25C-085E-4340-85A3-A5531E510DB2}">
+      <thm15:themeFamily xmlns:thm15="http://schemas.microsoft.com/office/thememl/2012/main" name="Office Theme" id="{62F939B6-93AF-4DB8-9C6B-D6C7DFDC589F}" vid="{4A3C46E8-61CC-4603-A589-7422A47A8E4A}"/>
+    </a:ext>
+  </a:extLst>
+</a:theme>
 </file>
--- a/images/figures.pptx
+++ b/images/figures.pptx
@@ -5,7 +5,7 @@
     <p:sldMasterId id="2147483648" r:id="rId1"/>
   </p:sldMasterIdLst>
   <p:notesMasterIdLst>
-    <p:notesMasterId r:id="rId10"/>
+    <p:notesMasterId r:id="rId11"/>
   </p:notesMasterIdLst>
   <p:sldIdLst>
     <p:sldId id="256" r:id="rId2"/>
@@ -16,6 +16,7 @@
     <p:sldId id="260" r:id="rId7"/>
     <p:sldId id="262" r:id="rId8"/>
     <p:sldId id="263" r:id="rId9"/>
+    <p:sldId id="264" r:id="rId10"/>
   </p:sldIdLst>
   <p:sldSz cx="12192000" cy="6858000"/>
   <p:notesSz cx="6858000" cy="9144000"/>
@@ -6554,6 +6555,180 @@
     <p:extLst>
       <p:ext uri="{BB962C8B-B14F-4D97-AF65-F5344CB8AC3E}">
         <p14:creationId xmlns:p14="http://schemas.microsoft.com/office/powerpoint/2010/main" val="2909384585"/>
+      </p:ext>
+    </p:extLst>
+  </p:cSld>
+  <p:clrMapOvr>
+    <a:masterClrMapping/>
+  </p:clrMapOvr>
+</p:sld>
+</file>
+
+<file path=ppt/slides/slide9.xml><?xml version="1.0" encoding="utf-8"?>
+<p:sld xmlns:a="http://schemas.openxmlformats.org/drawingml/2006/main" xmlns:r="http://schemas.openxmlformats.org/officeDocument/2006/relationships" xmlns:p="http://schemas.openxmlformats.org/presentationml/2006/main">
+  <p:cSld>
+    <p:spTree>
+      <p:nvGrpSpPr>
+        <p:cNvPr id="1" name=""/>
+        <p:cNvGrpSpPr/>
+        <p:nvPr/>
+      </p:nvGrpSpPr>
+      <p:grpSpPr>
+        <a:xfrm>
+          <a:off x="0" y="0"/>
+          <a:ext cx="0" cy="0"/>
+          <a:chOff x="0" y="0"/>
+          <a:chExt cx="0" cy="0"/>
+        </a:xfrm>
+      </p:grpSpPr>
+      <p:pic>
+        <p:nvPicPr>
+          <p:cNvPr id="18" name="図 17">
+            <a:extLst>
+              <a:ext uri="{FF2B5EF4-FFF2-40B4-BE49-F238E27FC236}">
+                <a16:creationId xmlns:a16="http://schemas.microsoft.com/office/drawing/2014/main" id="{1A13E5D8-BA0E-7E45-A686-1AF5CBCC3E02}"/>
+              </a:ext>
+            </a:extLst>
+          </p:cNvPr>
+          <p:cNvPicPr>
+            <a:picLocks noChangeAspect="1"/>
+          </p:cNvPicPr>
+          <p:nvPr/>
+        </p:nvPicPr>
+        <p:blipFill>
+          <a:blip r:embed="rId2"/>
+          <a:stretch>
+            <a:fillRect/>
+          </a:stretch>
+        </p:blipFill>
+        <p:spPr>
+          <a:xfrm>
+            <a:off x="2641600" y="0"/>
+            <a:ext cx="6908800" cy="6858000"/>
+          </a:xfrm>
+          <a:prstGeom prst="rect">
+            <a:avLst/>
+          </a:prstGeom>
+          <a:ln>
+            <a:noFill/>
+          </a:ln>
+          <a:effectLst>
+            <a:outerShdw blurRad="292100" dist="139700" dir="2700000" algn="tl" rotWithShape="0">
+              <a:srgbClr val="333333">
+                <a:alpha val="65000"/>
+              </a:srgbClr>
+            </a:outerShdw>
+          </a:effectLst>
+        </p:spPr>
+      </p:pic>
+      <p:sp>
+        <p:nvSpPr>
+          <p:cNvPr id="19" name="円/楕円 18">
+            <a:extLst>
+              <a:ext uri="{FF2B5EF4-FFF2-40B4-BE49-F238E27FC236}">
+                <a16:creationId xmlns:a16="http://schemas.microsoft.com/office/drawing/2014/main" id="{25C2A13A-CCDF-1747-8D8C-DCC95C50855B}"/>
+              </a:ext>
+            </a:extLst>
+          </p:cNvPr>
+          <p:cNvSpPr/>
+          <p:nvPr/>
+        </p:nvSpPr>
+        <p:spPr>
+          <a:xfrm>
+            <a:off x="2841313" y="3280515"/>
+            <a:ext cx="1688777" cy="296971"/>
+          </a:xfrm>
+          <a:prstGeom prst="ellipse">
+            <a:avLst/>
+          </a:prstGeom>
+          <a:noFill/>
+          <a:ln w="38100">
+            <a:solidFill>
+              <a:srgbClr val="FFFF00"/>
+            </a:solidFill>
+          </a:ln>
+        </p:spPr>
+        <p:style>
+          <a:lnRef idx="2">
+            <a:schemeClr val="accent1">
+              <a:shade val="50000"/>
+            </a:schemeClr>
+          </a:lnRef>
+          <a:fillRef idx="1">
+            <a:schemeClr val="accent1"/>
+          </a:fillRef>
+          <a:effectRef idx="0">
+            <a:schemeClr val="accent1"/>
+          </a:effectRef>
+          <a:fontRef idx="minor">
+            <a:schemeClr val="lt1"/>
+          </a:fontRef>
+        </p:style>
+        <p:txBody>
+          <a:bodyPr rtlCol="0" anchor="ctr"/>
+          <a:lstStyle/>
+          <a:p>
+            <a:pPr algn="ctr"/>
+            <a:endParaRPr kumimoji="1" lang="ja-JP" altLang="en-US"/>
+          </a:p>
+        </p:txBody>
+      </p:sp>
+      <p:sp>
+        <p:nvSpPr>
+          <p:cNvPr id="20" name="円/楕円 19">
+            <a:extLst>
+              <a:ext uri="{FF2B5EF4-FFF2-40B4-BE49-F238E27FC236}">
+                <a16:creationId xmlns:a16="http://schemas.microsoft.com/office/drawing/2014/main" id="{361C9DBE-B321-FF4B-A81A-4FE57CAE4DB8}"/>
+              </a:ext>
+            </a:extLst>
+          </p:cNvPr>
+          <p:cNvSpPr/>
+          <p:nvPr/>
+        </p:nvSpPr>
+        <p:spPr>
+          <a:xfrm>
+            <a:off x="2706522" y="5176655"/>
+            <a:ext cx="2043421" cy="296971"/>
+          </a:xfrm>
+          <a:prstGeom prst="ellipse">
+            <a:avLst/>
+          </a:prstGeom>
+          <a:noFill/>
+          <a:ln w="38100">
+            <a:solidFill>
+              <a:srgbClr val="FFFF00"/>
+            </a:solidFill>
+          </a:ln>
+        </p:spPr>
+        <p:style>
+          <a:lnRef idx="2">
+            <a:schemeClr val="accent1">
+              <a:shade val="50000"/>
+            </a:schemeClr>
+          </a:lnRef>
+          <a:fillRef idx="1">
+            <a:schemeClr val="accent1"/>
+          </a:fillRef>
+          <a:effectRef idx="0">
+            <a:schemeClr val="accent1"/>
+          </a:effectRef>
+          <a:fontRef idx="minor">
+            <a:schemeClr val="lt1"/>
+          </a:fontRef>
+        </p:style>
+        <p:txBody>
+          <a:bodyPr rtlCol="0" anchor="ctr"/>
+          <a:lstStyle/>
+          <a:p>
+            <a:pPr algn="ctr"/>
+            <a:endParaRPr kumimoji="1" lang="ja-JP" altLang="en-US"/>
+          </a:p>
+        </p:txBody>
+      </p:sp>
+    </p:spTree>
+    <p:extLst>
+      <p:ext uri="{BB962C8B-B14F-4D97-AF65-F5344CB8AC3E}">
+        <p14:creationId xmlns:p14="http://schemas.microsoft.com/office/powerpoint/2010/main" val="772380690"/>
       </p:ext>
     </p:extLst>
   </p:cSld>
